--- a/pics/2021-05-31-linear_operator_and_function_space/pics.pptx
+++ b/pics/2021-05-31-linear_operator_and_function_space/pics.pptx
@@ -6,6 +6,7 @@
   </p:sldMasterIdLst>
   <p:sldIdLst>
     <p:sldId id="256" r:id="rId2"/>
+    <p:sldId id="257" r:id="rId3"/>
   </p:sldIdLst>
   <p:sldSz cx="9144000" cy="5143500" type="screen16x9"/>
   <p:notesSz cx="6858000" cy="9144000"/>
@@ -104,6 +105,22 @@
       </a:defRPr>
     </a:lvl9pPr>
   </p:defaultTextStyle>
+  <p:extLst>
+    <p:ext uri="{EFAFB233-063F-42B5-8137-9DF3F51BA10A}">
+      <p15:sldGuideLst xmlns:p15="http://schemas.microsoft.com/office/powerpoint/2012/main">
+        <p15:guide id="1" orient="horz" pos="1620">
+          <p15:clr>
+            <a:srgbClr val="A4A3A4"/>
+          </p15:clr>
+        </p15:guide>
+        <p15:guide id="2" pos="2880">
+          <p15:clr>
+            <a:srgbClr val="A4A3A4"/>
+          </p15:clr>
+        </p15:guide>
+      </p15:sldGuideLst>
+    </p:ext>
+  </p:extLst>
 </p:presentation>
 </file>
 
@@ -145,10 +162,9 @@
           <a:lstStyle/>
           <a:p>
             <a:r>
-              <a:rPr lang="ko-KR" altLang="en-US" smtClean="0"/>
+              <a:rPr lang="ko-KR" altLang="en-US"/>
               <a:t>마스터 제목 스타일 편집</a:t>
             </a:r>
-            <a:endParaRPr lang="ko-KR" altLang="en-US"/>
           </a:p>
         </p:txBody>
       </p:sp>
@@ -264,10 +280,9 @@
           </a:lstStyle>
           <a:p>
             <a:r>
-              <a:rPr lang="ko-KR" altLang="en-US" smtClean="0"/>
+              <a:rPr lang="ko-KR" altLang="en-US"/>
               <a:t>마스터 부제목 스타일 편집</a:t>
             </a:r>
-            <a:endParaRPr lang="ko-KR" altLang="en-US"/>
           </a:p>
         </p:txBody>
       </p:sp>
@@ -288,7 +303,7 @@
           <a:p>
             <a:fld id="{FB30EDBD-1C2D-4C1E-B459-B60219FAB484}" type="datetimeFigureOut">
               <a:rPr lang="ko-KR" altLang="en-US" smtClean="0"/>
-              <a:t>2021-06-01</a:t>
+              <a:t>2023-05-10</a:t>
             </a:fld>
             <a:endParaRPr lang="ko-KR" altLang="en-US"/>
           </a:p>
@@ -377,10 +392,9 @@
           <a:lstStyle/>
           <a:p>
             <a:r>
-              <a:rPr lang="ko-KR" altLang="en-US" smtClean="0"/>
+              <a:rPr lang="ko-KR" altLang="en-US"/>
               <a:t>마스터 제목 스타일 편집</a:t>
             </a:r>
-            <a:endParaRPr lang="ko-KR" altLang="en-US"/>
           </a:p>
         </p:txBody>
       </p:sp>
@@ -401,38 +415,37 @@
           <a:p>
             <a:pPr lvl="0"/>
             <a:r>
-              <a:rPr lang="ko-KR" altLang="en-US" smtClean="0"/>
+              <a:rPr lang="ko-KR" altLang="en-US"/>
               <a:t>마스터 텍스트 스타일을 편집합니다</a:t>
             </a:r>
           </a:p>
           <a:p>
             <a:pPr lvl="1"/>
             <a:r>
-              <a:rPr lang="ko-KR" altLang="en-US" smtClean="0"/>
+              <a:rPr lang="ko-KR" altLang="en-US"/>
               <a:t>둘째 수준</a:t>
             </a:r>
           </a:p>
           <a:p>
             <a:pPr lvl="2"/>
             <a:r>
-              <a:rPr lang="ko-KR" altLang="en-US" smtClean="0"/>
+              <a:rPr lang="ko-KR" altLang="en-US"/>
               <a:t>셋째 수준</a:t>
             </a:r>
           </a:p>
           <a:p>
             <a:pPr lvl="3"/>
             <a:r>
-              <a:rPr lang="ko-KR" altLang="en-US" smtClean="0"/>
+              <a:rPr lang="ko-KR" altLang="en-US"/>
               <a:t>넷째 수준</a:t>
             </a:r>
           </a:p>
           <a:p>
             <a:pPr lvl="4"/>
             <a:r>
-              <a:rPr lang="ko-KR" altLang="en-US" smtClean="0"/>
+              <a:rPr lang="ko-KR" altLang="en-US"/>
               <a:t>다섯째 수준</a:t>
             </a:r>
-            <a:endParaRPr lang="ko-KR" altLang="en-US"/>
           </a:p>
         </p:txBody>
       </p:sp>
@@ -453,7 +466,7 @@
           <a:p>
             <a:fld id="{FB30EDBD-1C2D-4C1E-B459-B60219FAB484}" type="datetimeFigureOut">
               <a:rPr lang="ko-KR" altLang="en-US" smtClean="0"/>
-              <a:t>2021-06-01</a:t>
+              <a:t>2023-05-10</a:t>
             </a:fld>
             <a:endParaRPr lang="ko-KR" altLang="en-US"/>
           </a:p>
@@ -547,10 +560,9 @@
           <a:lstStyle/>
           <a:p>
             <a:r>
-              <a:rPr lang="ko-KR" altLang="en-US" smtClean="0"/>
+              <a:rPr lang="ko-KR" altLang="en-US"/>
               <a:t>마스터 제목 스타일 편집</a:t>
             </a:r>
-            <a:endParaRPr lang="ko-KR" altLang="en-US"/>
           </a:p>
         </p:txBody>
       </p:sp>
@@ -576,38 +588,37 @@
           <a:p>
             <a:pPr lvl="0"/>
             <a:r>
-              <a:rPr lang="ko-KR" altLang="en-US" smtClean="0"/>
+              <a:rPr lang="ko-KR" altLang="en-US"/>
               <a:t>마스터 텍스트 스타일을 편집합니다</a:t>
             </a:r>
           </a:p>
           <a:p>
             <a:pPr lvl="1"/>
             <a:r>
-              <a:rPr lang="ko-KR" altLang="en-US" smtClean="0"/>
+              <a:rPr lang="ko-KR" altLang="en-US"/>
               <a:t>둘째 수준</a:t>
             </a:r>
           </a:p>
           <a:p>
             <a:pPr lvl="2"/>
             <a:r>
-              <a:rPr lang="ko-KR" altLang="en-US" smtClean="0"/>
+              <a:rPr lang="ko-KR" altLang="en-US"/>
               <a:t>셋째 수준</a:t>
             </a:r>
           </a:p>
           <a:p>
             <a:pPr lvl="3"/>
             <a:r>
-              <a:rPr lang="ko-KR" altLang="en-US" smtClean="0"/>
+              <a:rPr lang="ko-KR" altLang="en-US"/>
               <a:t>넷째 수준</a:t>
             </a:r>
           </a:p>
           <a:p>
             <a:pPr lvl="4"/>
             <a:r>
-              <a:rPr lang="ko-KR" altLang="en-US" smtClean="0"/>
+              <a:rPr lang="ko-KR" altLang="en-US"/>
               <a:t>다섯째 수준</a:t>
             </a:r>
-            <a:endParaRPr lang="ko-KR" altLang="en-US"/>
           </a:p>
         </p:txBody>
       </p:sp>
@@ -628,7 +639,7 @@
           <a:p>
             <a:fld id="{FB30EDBD-1C2D-4C1E-B459-B60219FAB484}" type="datetimeFigureOut">
               <a:rPr lang="ko-KR" altLang="en-US" smtClean="0"/>
-              <a:t>2021-06-01</a:t>
+              <a:t>2023-05-10</a:t>
             </a:fld>
             <a:endParaRPr lang="ko-KR" altLang="en-US"/>
           </a:p>
@@ -717,10 +728,9 @@
           <a:lstStyle/>
           <a:p>
             <a:r>
-              <a:rPr lang="ko-KR" altLang="en-US" smtClean="0"/>
+              <a:rPr lang="ko-KR" altLang="en-US"/>
               <a:t>마스터 제목 스타일 편집</a:t>
             </a:r>
-            <a:endParaRPr lang="ko-KR" altLang="en-US"/>
           </a:p>
         </p:txBody>
       </p:sp>
@@ -741,38 +751,37 @@
           <a:p>
             <a:pPr lvl="0"/>
             <a:r>
-              <a:rPr lang="ko-KR" altLang="en-US" smtClean="0"/>
+              <a:rPr lang="ko-KR" altLang="en-US"/>
               <a:t>마스터 텍스트 스타일을 편집합니다</a:t>
             </a:r>
           </a:p>
           <a:p>
             <a:pPr lvl="1"/>
             <a:r>
-              <a:rPr lang="ko-KR" altLang="en-US" smtClean="0"/>
+              <a:rPr lang="ko-KR" altLang="en-US"/>
               <a:t>둘째 수준</a:t>
             </a:r>
           </a:p>
           <a:p>
             <a:pPr lvl="2"/>
             <a:r>
-              <a:rPr lang="ko-KR" altLang="en-US" smtClean="0"/>
+              <a:rPr lang="ko-KR" altLang="en-US"/>
               <a:t>셋째 수준</a:t>
             </a:r>
           </a:p>
           <a:p>
             <a:pPr lvl="3"/>
             <a:r>
-              <a:rPr lang="ko-KR" altLang="en-US" smtClean="0"/>
+              <a:rPr lang="ko-KR" altLang="en-US"/>
               <a:t>넷째 수준</a:t>
             </a:r>
           </a:p>
           <a:p>
             <a:pPr lvl="4"/>
             <a:r>
-              <a:rPr lang="ko-KR" altLang="en-US" smtClean="0"/>
+              <a:rPr lang="ko-KR" altLang="en-US"/>
               <a:t>다섯째 수준</a:t>
             </a:r>
-            <a:endParaRPr lang="ko-KR" altLang="en-US"/>
           </a:p>
         </p:txBody>
       </p:sp>
@@ -793,7 +802,7 @@
           <a:p>
             <a:fld id="{FB30EDBD-1C2D-4C1E-B459-B60219FAB484}" type="datetimeFigureOut">
               <a:rPr lang="ko-KR" altLang="en-US" smtClean="0"/>
-              <a:t>2021-06-01</a:t>
+              <a:t>2023-05-10</a:t>
             </a:fld>
             <a:endParaRPr lang="ko-KR" altLang="en-US"/>
           </a:p>
@@ -891,10 +900,9 @@
           </a:lstStyle>
           <a:p>
             <a:r>
-              <a:rPr lang="ko-KR" altLang="en-US" smtClean="0"/>
+              <a:rPr lang="ko-KR" altLang="en-US"/>
               <a:t>마스터 제목 스타일 편집</a:t>
             </a:r>
-            <a:endParaRPr lang="ko-KR" altLang="en-US"/>
           </a:p>
         </p:txBody>
       </p:sp>
@@ -1011,7 +1019,7 @@
           <a:p>
             <a:pPr lvl="0"/>
             <a:r>
-              <a:rPr lang="ko-KR" altLang="en-US" smtClean="0"/>
+              <a:rPr lang="ko-KR" altLang="en-US"/>
               <a:t>마스터 텍스트 스타일을 편집합니다</a:t>
             </a:r>
           </a:p>
@@ -1034,7 +1042,7 @@
           <a:p>
             <a:fld id="{FB30EDBD-1C2D-4C1E-B459-B60219FAB484}" type="datetimeFigureOut">
               <a:rPr lang="ko-KR" altLang="en-US" smtClean="0"/>
-              <a:t>2021-06-01</a:t>
+              <a:t>2023-05-10</a:t>
             </a:fld>
             <a:endParaRPr lang="ko-KR" altLang="en-US"/>
           </a:p>
@@ -1123,10 +1131,9 @@
           <a:lstStyle/>
           <a:p>
             <a:r>
-              <a:rPr lang="ko-KR" altLang="en-US" smtClean="0"/>
+              <a:rPr lang="ko-KR" altLang="en-US"/>
               <a:t>마스터 제목 스타일 편집</a:t>
             </a:r>
-            <a:endParaRPr lang="ko-KR" altLang="en-US"/>
           </a:p>
         </p:txBody>
       </p:sp>
@@ -1180,38 +1187,37 @@
           <a:p>
             <a:pPr lvl="0"/>
             <a:r>
-              <a:rPr lang="ko-KR" altLang="en-US" smtClean="0"/>
+              <a:rPr lang="ko-KR" altLang="en-US"/>
               <a:t>마스터 텍스트 스타일을 편집합니다</a:t>
             </a:r>
           </a:p>
           <a:p>
             <a:pPr lvl="1"/>
             <a:r>
-              <a:rPr lang="ko-KR" altLang="en-US" smtClean="0"/>
+              <a:rPr lang="ko-KR" altLang="en-US"/>
               <a:t>둘째 수준</a:t>
             </a:r>
           </a:p>
           <a:p>
             <a:pPr lvl="2"/>
             <a:r>
-              <a:rPr lang="ko-KR" altLang="en-US" smtClean="0"/>
+              <a:rPr lang="ko-KR" altLang="en-US"/>
               <a:t>셋째 수준</a:t>
             </a:r>
           </a:p>
           <a:p>
             <a:pPr lvl="3"/>
             <a:r>
-              <a:rPr lang="ko-KR" altLang="en-US" smtClean="0"/>
+              <a:rPr lang="ko-KR" altLang="en-US"/>
               <a:t>넷째 수준</a:t>
             </a:r>
           </a:p>
           <a:p>
             <a:pPr lvl="4"/>
             <a:r>
-              <a:rPr lang="ko-KR" altLang="en-US" smtClean="0"/>
+              <a:rPr lang="ko-KR" altLang="en-US"/>
               <a:t>다섯째 수준</a:t>
             </a:r>
-            <a:endParaRPr lang="ko-KR" altLang="en-US"/>
           </a:p>
         </p:txBody>
       </p:sp>
@@ -1265,38 +1271,37 @@
           <a:p>
             <a:pPr lvl="0"/>
             <a:r>
-              <a:rPr lang="ko-KR" altLang="en-US" smtClean="0"/>
+              <a:rPr lang="ko-KR" altLang="en-US"/>
               <a:t>마스터 텍스트 스타일을 편집합니다</a:t>
             </a:r>
           </a:p>
           <a:p>
             <a:pPr lvl="1"/>
             <a:r>
-              <a:rPr lang="ko-KR" altLang="en-US" smtClean="0"/>
+              <a:rPr lang="ko-KR" altLang="en-US"/>
               <a:t>둘째 수준</a:t>
             </a:r>
           </a:p>
           <a:p>
             <a:pPr lvl="2"/>
             <a:r>
-              <a:rPr lang="ko-KR" altLang="en-US" smtClean="0"/>
+              <a:rPr lang="ko-KR" altLang="en-US"/>
               <a:t>셋째 수준</a:t>
             </a:r>
           </a:p>
           <a:p>
             <a:pPr lvl="3"/>
             <a:r>
-              <a:rPr lang="ko-KR" altLang="en-US" smtClean="0"/>
+              <a:rPr lang="ko-KR" altLang="en-US"/>
               <a:t>넷째 수준</a:t>
             </a:r>
           </a:p>
           <a:p>
             <a:pPr lvl="4"/>
             <a:r>
-              <a:rPr lang="ko-KR" altLang="en-US" smtClean="0"/>
+              <a:rPr lang="ko-KR" altLang="en-US"/>
               <a:t>다섯째 수준</a:t>
             </a:r>
-            <a:endParaRPr lang="ko-KR" altLang="en-US"/>
           </a:p>
         </p:txBody>
       </p:sp>
@@ -1317,7 +1322,7 @@
           <a:p>
             <a:fld id="{FB30EDBD-1C2D-4C1E-B459-B60219FAB484}" type="datetimeFigureOut">
               <a:rPr lang="ko-KR" altLang="en-US" smtClean="0"/>
-              <a:t>2021-06-01</a:t>
+              <a:t>2023-05-10</a:t>
             </a:fld>
             <a:endParaRPr lang="ko-KR" altLang="en-US"/>
           </a:p>
@@ -1410,10 +1415,9 @@
           </a:lstStyle>
           <a:p>
             <a:r>
-              <a:rPr lang="ko-KR" altLang="en-US" smtClean="0"/>
+              <a:rPr lang="ko-KR" altLang="en-US"/>
               <a:t>마스터 제목 스타일 편집</a:t>
             </a:r>
-            <a:endParaRPr lang="ko-KR" altLang="en-US"/>
           </a:p>
         </p:txBody>
       </p:sp>
@@ -1476,7 +1480,7 @@
           <a:p>
             <a:pPr lvl="0"/>
             <a:r>
-              <a:rPr lang="ko-KR" altLang="en-US" smtClean="0"/>
+              <a:rPr lang="ko-KR" altLang="en-US"/>
               <a:t>마스터 텍스트 스타일을 편집합니다</a:t>
             </a:r>
           </a:p>
@@ -1532,38 +1536,37 @@
           <a:p>
             <a:pPr lvl="0"/>
             <a:r>
-              <a:rPr lang="ko-KR" altLang="en-US" smtClean="0"/>
+              <a:rPr lang="ko-KR" altLang="en-US"/>
               <a:t>마스터 텍스트 스타일을 편집합니다</a:t>
             </a:r>
           </a:p>
           <a:p>
             <a:pPr lvl="1"/>
             <a:r>
-              <a:rPr lang="ko-KR" altLang="en-US" smtClean="0"/>
+              <a:rPr lang="ko-KR" altLang="en-US"/>
               <a:t>둘째 수준</a:t>
             </a:r>
           </a:p>
           <a:p>
             <a:pPr lvl="2"/>
             <a:r>
-              <a:rPr lang="ko-KR" altLang="en-US" smtClean="0"/>
+              <a:rPr lang="ko-KR" altLang="en-US"/>
               <a:t>셋째 수준</a:t>
             </a:r>
           </a:p>
           <a:p>
             <a:pPr lvl="3"/>
             <a:r>
-              <a:rPr lang="ko-KR" altLang="en-US" smtClean="0"/>
+              <a:rPr lang="ko-KR" altLang="en-US"/>
               <a:t>넷째 수준</a:t>
             </a:r>
           </a:p>
           <a:p>
             <a:pPr lvl="4"/>
             <a:r>
-              <a:rPr lang="ko-KR" altLang="en-US" smtClean="0"/>
+              <a:rPr lang="ko-KR" altLang="en-US"/>
               <a:t>다섯째 수준</a:t>
             </a:r>
-            <a:endParaRPr lang="ko-KR" altLang="en-US"/>
           </a:p>
         </p:txBody>
       </p:sp>
@@ -1626,7 +1629,7 @@
           <a:p>
             <a:pPr lvl="0"/>
             <a:r>
-              <a:rPr lang="ko-KR" altLang="en-US" smtClean="0"/>
+              <a:rPr lang="ko-KR" altLang="en-US"/>
               <a:t>마스터 텍스트 스타일을 편집합니다</a:t>
             </a:r>
           </a:p>
@@ -1682,38 +1685,37 @@
           <a:p>
             <a:pPr lvl="0"/>
             <a:r>
-              <a:rPr lang="ko-KR" altLang="en-US" smtClean="0"/>
+              <a:rPr lang="ko-KR" altLang="en-US"/>
               <a:t>마스터 텍스트 스타일을 편집합니다</a:t>
             </a:r>
           </a:p>
           <a:p>
             <a:pPr lvl="1"/>
             <a:r>
-              <a:rPr lang="ko-KR" altLang="en-US" smtClean="0"/>
+              <a:rPr lang="ko-KR" altLang="en-US"/>
               <a:t>둘째 수준</a:t>
             </a:r>
           </a:p>
           <a:p>
             <a:pPr lvl="2"/>
             <a:r>
-              <a:rPr lang="ko-KR" altLang="en-US" smtClean="0"/>
+              <a:rPr lang="ko-KR" altLang="en-US"/>
               <a:t>셋째 수준</a:t>
             </a:r>
           </a:p>
           <a:p>
             <a:pPr lvl="3"/>
             <a:r>
-              <a:rPr lang="ko-KR" altLang="en-US" smtClean="0"/>
+              <a:rPr lang="ko-KR" altLang="en-US"/>
               <a:t>넷째 수준</a:t>
             </a:r>
           </a:p>
           <a:p>
             <a:pPr lvl="4"/>
             <a:r>
-              <a:rPr lang="ko-KR" altLang="en-US" smtClean="0"/>
+              <a:rPr lang="ko-KR" altLang="en-US"/>
               <a:t>다섯째 수준</a:t>
             </a:r>
-            <a:endParaRPr lang="ko-KR" altLang="en-US"/>
           </a:p>
         </p:txBody>
       </p:sp>
@@ -1734,7 +1736,7 @@
           <a:p>
             <a:fld id="{FB30EDBD-1C2D-4C1E-B459-B60219FAB484}" type="datetimeFigureOut">
               <a:rPr lang="ko-KR" altLang="en-US" smtClean="0"/>
-              <a:t>2021-06-01</a:t>
+              <a:t>2023-05-10</a:t>
             </a:fld>
             <a:endParaRPr lang="ko-KR" altLang="en-US"/>
           </a:p>
@@ -1823,10 +1825,9 @@
           <a:lstStyle/>
           <a:p>
             <a:r>
-              <a:rPr lang="ko-KR" altLang="en-US" smtClean="0"/>
+              <a:rPr lang="ko-KR" altLang="en-US"/>
               <a:t>마스터 제목 스타일 편집</a:t>
             </a:r>
-            <a:endParaRPr lang="ko-KR" altLang="en-US"/>
           </a:p>
         </p:txBody>
       </p:sp>
@@ -1847,7 +1848,7 @@
           <a:p>
             <a:fld id="{FB30EDBD-1C2D-4C1E-B459-B60219FAB484}" type="datetimeFigureOut">
               <a:rPr lang="ko-KR" altLang="en-US" smtClean="0"/>
-              <a:t>2021-06-01</a:t>
+              <a:t>2023-05-10</a:t>
             </a:fld>
             <a:endParaRPr lang="ko-KR" altLang="en-US"/>
           </a:p>
@@ -1937,7 +1938,7 @@
           <a:p>
             <a:fld id="{FB30EDBD-1C2D-4C1E-B459-B60219FAB484}" type="datetimeFigureOut">
               <a:rPr lang="ko-KR" altLang="en-US" smtClean="0"/>
-              <a:t>2021-06-01</a:t>
+              <a:t>2023-05-10</a:t>
             </a:fld>
             <a:endParaRPr lang="ko-KR" altLang="en-US"/>
           </a:p>
@@ -2035,10 +2036,9 @@
           </a:lstStyle>
           <a:p>
             <a:r>
-              <a:rPr lang="ko-KR" altLang="en-US" smtClean="0"/>
+              <a:rPr lang="ko-KR" altLang="en-US"/>
               <a:t>마스터 제목 스타일 편집</a:t>
             </a:r>
-            <a:endParaRPr lang="ko-KR" altLang="en-US"/>
           </a:p>
         </p:txBody>
       </p:sp>
@@ -2092,38 +2092,37 @@
           <a:p>
             <a:pPr lvl="0"/>
             <a:r>
-              <a:rPr lang="ko-KR" altLang="en-US" smtClean="0"/>
+              <a:rPr lang="ko-KR" altLang="en-US"/>
               <a:t>마스터 텍스트 스타일을 편집합니다</a:t>
             </a:r>
           </a:p>
           <a:p>
             <a:pPr lvl="1"/>
             <a:r>
-              <a:rPr lang="ko-KR" altLang="en-US" smtClean="0"/>
+              <a:rPr lang="ko-KR" altLang="en-US"/>
               <a:t>둘째 수준</a:t>
             </a:r>
           </a:p>
           <a:p>
             <a:pPr lvl="2"/>
             <a:r>
-              <a:rPr lang="ko-KR" altLang="en-US" smtClean="0"/>
+              <a:rPr lang="ko-KR" altLang="en-US"/>
               <a:t>셋째 수준</a:t>
             </a:r>
           </a:p>
           <a:p>
             <a:pPr lvl="3"/>
             <a:r>
-              <a:rPr lang="ko-KR" altLang="en-US" smtClean="0"/>
+              <a:rPr lang="ko-KR" altLang="en-US"/>
               <a:t>넷째 수준</a:t>
             </a:r>
           </a:p>
           <a:p>
             <a:pPr lvl="4"/>
             <a:r>
-              <a:rPr lang="ko-KR" altLang="en-US" smtClean="0"/>
+              <a:rPr lang="ko-KR" altLang="en-US"/>
               <a:t>다섯째 수준</a:t>
             </a:r>
-            <a:endParaRPr lang="ko-KR" altLang="en-US"/>
           </a:p>
         </p:txBody>
       </p:sp>
@@ -2186,7 +2185,7 @@
           <a:p>
             <a:pPr lvl="0"/>
             <a:r>
-              <a:rPr lang="ko-KR" altLang="en-US" smtClean="0"/>
+              <a:rPr lang="ko-KR" altLang="en-US"/>
               <a:t>마스터 텍스트 스타일을 편집합니다</a:t>
             </a:r>
           </a:p>
@@ -2209,7 +2208,7 @@
           <a:p>
             <a:fld id="{FB30EDBD-1C2D-4C1E-B459-B60219FAB484}" type="datetimeFigureOut">
               <a:rPr lang="ko-KR" altLang="en-US" smtClean="0"/>
-              <a:t>2021-06-01</a:t>
+              <a:t>2023-05-10</a:t>
             </a:fld>
             <a:endParaRPr lang="ko-KR" altLang="en-US"/>
           </a:p>
@@ -2307,10 +2306,9 @@
           </a:lstStyle>
           <a:p>
             <a:r>
-              <a:rPr lang="ko-KR" altLang="en-US" smtClean="0"/>
+              <a:rPr lang="ko-KR" altLang="en-US"/>
               <a:t>마스터 제목 스타일 편집</a:t>
             </a:r>
-            <a:endParaRPr lang="ko-KR" altLang="en-US"/>
           </a:p>
         </p:txBody>
       </p:sp>
@@ -2434,7 +2432,7 @@
           <a:p>
             <a:pPr lvl="0"/>
             <a:r>
-              <a:rPr lang="ko-KR" altLang="en-US" smtClean="0"/>
+              <a:rPr lang="ko-KR" altLang="en-US"/>
               <a:t>마스터 텍스트 스타일을 편집합니다</a:t>
             </a:r>
           </a:p>
@@ -2457,7 +2455,7 @@
           <a:p>
             <a:fld id="{FB30EDBD-1C2D-4C1E-B459-B60219FAB484}" type="datetimeFigureOut">
               <a:rPr lang="ko-KR" altLang="en-US" smtClean="0"/>
-              <a:t>2021-06-01</a:t>
+              <a:t>2023-05-10</a:t>
             </a:fld>
             <a:endParaRPr lang="ko-KR" altLang="en-US"/>
           </a:p>
@@ -2561,10 +2559,9 @@
           <a:lstStyle/>
           <a:p>
             <a:r>
-              <a:rPr lang="ko-KR" altLang="en-US" smtClean="0"/>
+              <a:rPr lang="ko-KR" altLang="en-US"/>
               <a:t>마스터 제목 스타일 편집</a:t>
             </a:r>
-            <a:endParaRPr lang="ko-KR" altLang="en-US"/>
           </a:p>
         </p:txBody>
       </p:sp>
@@ -2595,38 +2592,37 @@
           <a:p>
             <a:pPr lvl="0"/>
             <a:r>
-              <a:rPr lang="ko-KR" altLang="en-US" smtClean="0"/>
+              <a:rPr lang="ko-KR" altLang="en-US"/>
               <a:t>마스터 텍스트 스타일을 편집합니다</a:t>
             </a:r>
           </a:p>
           <a:p>
             <a:pPr lvl="1"/>
             <a:r>
-              <a:rPr lang="ko-KR" altLang="en-US" smtClean="0"/>
+              <a:rPr lang="ko-KR" altLang="en-US"/>
               <a:t>둘째 수준</a:t>
             </a:r>
           </a:p>
           <a:p>
             <a:pPr lvl="2"/>
             <a:r>
-              <a:rPr lang="ko-KR" altLang="en-US" smtClean="0"/>
+              <a:rPr lang="ko-KR" altLang="en-US"/>
               <a:t>셋째 수준</a:t>
             </a:r>
           </a:p>
           <a:p>
             <a:pPr lvl="3"/>
             <a:r>
-              <a:rPr lang="ko-KR" altLang="en-US" smtClean="0"/>
+              <a:rPr lang="ko-KR" altLang="en-US"/>
               <a:t>넷째 수준</a:t>
             </a:r>
           </a:p>
           <a:p>
             <a:pPr lvl="4"/>
             <a:r>
-              <a:rPr lang="ko-KR" altLang="en-US" smtClean="0"/>
+              <a:rPr lang="ko-KR" altLang="en-US"/>
               <a:t>다섯째 수준</a:t>
             </a:r>
-            <a:endParaRPr lang="ko-KR" altLang="en-US"/>
           </a:p>
         </p:txBody>
       </p:sp>
@@ -2665,7 +2661,7 @@
           <a:p>
             <a:fld id="{FB30EDBD-1C2D-4C1E-B459-B60219FAB484}" type="datetimeFigureOut">
               <a:rPr lang="ko-KR" altLang="en-US" smtClean="0"/>
-              <a:t>2021-06-01</a:t>
+              <a:t>2023-05-10</a:t>
             </a:fld>
             <a:endParaRPr lang="ko-KR" altLang="en-US"/>
           </a:p>
@@ -3040,7 +3036,7 @@
           <p:cNvPr id="29" name="직선 화살표 연결선 28">
             <a:extLst>
               <a:ext uri="{FF2B5EF4-FFF2-40B4-BE49-F238E27FC236}">
-                <a16:creationId xmlns:a16="http://schemas.microsoft.com/office/drawing/2014/main" xmlns="" id="{2584EC2D-8EA7-4673-B7E1-B26020F21A1A}"/>
+                <a16:creationId xmlns:a16="http://schemas.microsoft.com/office/drawing/2014/main" id="{2584EC2D-8EA7-4673-B7E1-B26020F21A1A}"/>
               </a:ext>
             </a:extLst>
           </p:cNvPr>
@@ -3082,7 +3078,7 @@
           <p:cNvPr id="31" name="직사각형 30">
             <a:extLst>
               <a:ext uri="{FF2B5EF4-FFF2-40B4-BE49-F238E27FC236}">
-                <a16:creationId xmlns:a16="http://schemas.microsoft.com/office/drawing/2014/main" xmlns="" id="{65E54A31-974E-4E9A-AAEA-41809633A7CC}"/>
+                <a16:creationId xmlns:a16="http://schemas.microsoft.com/office/drawing/2014/main" id="{65E54A31-974E-4E9A-AAEA-41809633A7CC}"/>
               </a:ext>
             </a:extLst>
           </p:cNvPr>
@@ -3131,14 +3127,14 @@
           </a:p>
         </p:txBody>
       </p:sp>
-      <mc:AlternateContent xmlns:mc="http://schemas.openxmlformats.org/markup-compatibility/2006">
-        <mc:Choice xmlns:a14="http://schemas.microsoft.com/office/drawing/2010/main" Requires="a14">
+      <mc:AlternateContent xmlns:mc="http://schemas.openxmlformats.org/markup-compatibility/2006" xmlns:a14="http://schemas.microsoft.com/office/drawing/2010/main">
+        <mc:Choice Requires="a14">
           <p:sp>
             <p:nvSpPr>
               <p:cNvPr id="32" name="TextBox 31">
                 <a:extLst>
                   <a:ext uri="{FF2B5EF4-FFF2-40B4-BE49-F238E27FC236}">
-                    <a16:creationId xmlns:a16="http://schemas.microsoft.com/office/drawing/2014/main" xmlns="" id="{94293931-A190-430C-A29F-6CE05DCCA29E}"/>
+                    <a16:creationId xmlns:a16="http://schemas.microsoft.com/office/drawing/2014/main" id="{94293931-A190-430C-A29F-6CE05DCCA29E}"/>
                   </a:ext>
                 </a:extLst>
               </p:cNvPr>
@@ -3182,7 +3178,7 @@
             </p:txBody>
           </p:sp>
         </mc:Choice>
-        <mc:Fallback>
+        <mc:Fallback xmlns="">
           <p:sp>
             <p:nvSpPr>
               <p:cNvPr id="32" name="TextBox 31">
@@ -3232,7 +3228,7 @@
           <p:cNvPr id="33" name="화살표: 오른쪽 3">
             <a:extLst>
               <a:ext uri="{FF2B5EF4-FFF2-40B4-BE49-F238E27FC236}">
-                <a16:creationId xmlns:a16="http://schemas.microsoft.com/office/drawing/2014/main" xmlns="" id="{AAB15ED2-4E8D-40DD-92EC-F920DB7ABD15}"/>
+                <a16:creationId xmlns:a16="http://schemas.microsoft.com/office/drawing/2014/main" id="{AAB15ED2-4E8D-40DD-92EC-F920DB7ABD15}"/>
               </a:ext>
             </a:extLst>
           </p:cNvPr>
@@ -3285,14 +3281,14 @@
           </a:p>
         </p:txBody>
       </p:sp>
-      <mc:AlternateContent xmlns:mc="http://schemas.openxmlformats.org/markup-compatibility/2006">
-        <mc:Choice xmlns:a14="http://schemas.microsoft.com/office/drawing/2010/main" Requires="a14">
+      <mc:AlternateContent xmlns:mc="http://schemas.openxmlformats.org/markup-compatibility/2006" xmlns:a14="http://schemas.microsoft.com/office/drawing/2010/main">
+        <mc:Choice Requires="a14">
           <p:sp>
             <p:nvSpPr>
               <p:cNvPr id="34" name="TextBox 33">
                 <a:extLst>
                   <a:ext uri="{FF2B5EF4-FFF2-40B4-BE49-F238E27FC236}">
-                    <a16:creationId xmlns:a16="http://schemas.microsoft.com/office/drawing/2014/main" xmlns="" id="{0CA8584E-B1CA-4C1B-9827-5D39930B3E6F}"/>
+                    <a16:creationId xmlns:a16="http://schemas.microsoft.com/office/drawing/2014/main" id="{0CA8584E-B1CA-4C1B-9827-5D39930B3E6F}"/>
                   </a:ext>
                 </a:extLst>
               </p:cNvPr>
@@ -3327,7 +3323,7 @@
                           <m:chr m:val="⃗"/>
                           <m:ctrlPr>
                             <a:rPr lang="en-US" altLang="ko-KR" sz="2800" b="0" i="1" dirty="0" smtClean="0">
-                              <a:latin typeface="Cambria Math"/>
+                              <a:latin typeface="Cambria Math" panose="02040503050406030204" pitchFamily="18" charset="0"/>
                             </a:rPr>
                           </m:ctrlPr>
                         </m:accPr>
@@ -3348,7 +3344,7 @@
             </p:txBody>
           </p:sp>
         </mc:Choice>
-        <mc:Fallback>
+        <mc:Fallback xmlns="">
           <p:sp>
             <p:nvSpPr>
               <p:cNvPr id="34" name="TextBox 33">
@@ -3398,7 +3394,7 @@
           <p:cNvPr id="35" name="화살표: 오른쪽 9">
             <a:extLst>
               <a:ext uri="{FF2B5EF4-FFF2-40B4-BE49-F238E27FC236}">
-                <a16:creationId xmlns:a16="http://schemas.microsoft.com/office/drawing/2014/main" xmlns="" id="{DA942FFD-F9AB-439D-B376-BC77D850DB19}"/>
+                <a16:creationId xmlns:a16="http://schemas.microsoft.com/office/drawing/2014/main" id="{DA942FFD-F9AB-439D-B376-BC77D850DB19}"/>
               </a:ext>
             </a:extLst>
           </p:cNvPr>
@@ -3451,14 +3447,14 @@
           </a:p>
         </p:txBody>
       </p:sp>
-      <mc:AlternateContent xmlns:mc="http://schemas.openxmlformats.org/markup-compatibility/2006">
-        <mc:Choice xmlns:a14="http://schemas.microsoft.com/office/drawing/2010/main" Requires="a14">
+      <mc:AlternateContent xmlns:mc="http://schemas.openxmlformats.org/markup-compatibility/2006" xmlns:a14="http://schemas.microsoft.com/office/drawing/2010/main">
+        <mc:Choice Requires="a14">
           <p:sp>
             <p:nvSpPr>
               <p:cNvPr id="36" name="TextBox 35">
                 <a:extLst>
                   <a:ext uri="{FF2B5EF4-FFF2-40B4-BE49-F238E27FC236}">
-                    <a16:creationId xmlns:a16="http://schemas.microsoft.com/office/drawing/2014/main" xmlns="" id="{F6F6794D-6866-46A0-888A-1395BB6F7DAF}"/>
+                    <a16:creationId xmlns:a16="http://schemas.microsoft.com/office/drawing/2014/main" id="{F6F6794D-6866-46A0-888A-1395BB6F7DAF}"/>
                   </a:ext>
                 </a:extLst>
               </p:cNvPr>
@@ -3499,7 +3495,7 @@
                           <m:chr m:val="⃗"/>
                           <m:ctrlPr>
                             <a:rPr lang="en-US" altLang="ko-KR" sz="2800" b="0" i="1" dirty="0" smtClean="0">
-                              <a:latin typeface="Cambria Math"/>
+                              <a:latin typeface="Cambria Math" panose="02040503050406030204" pitchFamily="18" charset="0"/>
                             </a:rPr>
                           </m:ctrlPr>
                         </m:accPr>
@@ -3520,7 +3516,7 @@
             </p:txBody>
           </p:sp>
         </mc:Choice>
-        <mc:Fallback>
+        <mc:Fallback xmlns="">
           <p:sp>
             <p:nvSpPr>
               <p:cNvPr id="36" name="TextBox 35">
@@ -3570,7 +3566,7 @@
           <p:cNvPr id="37" name="직선 화살표 연결선 36">
             <a:extLst>
               <a:ext uri="{FF2B5EF4-FFF2-40B4-BE49-F238E27FC236}">
-                <a16:creationId xmlns:a16="http://schemas.microsoft.com/office/drawing/2014/main" xmlns="" id="{5F20151B-03AA-4716-A659-FE84F58D1141}"/>
+                <a16:creationId xmlns:a16="http://schemas.microsoft.com/office/drawing/2014/main" id="{5F20151B-03AA-4716-A659-FE84F58D1141}"/>
               </a:ext>
             </a:extLst>
           </p:cNvPr>
@@ -3612,7 +3608,7 @@
           <p:cNvPr id="38" name="TextBox 37">
             <a:extLst>
               <a:ext uri="{FF2B5EF4-FFF2-40B4-BE49-F238E27FC236}">
-                <a16:creationId xmlns:a16="http://schemas.microsoft.com/office/drawing/2014/main" xmlns="" id="{1BDDA495-6C9C-466B-B6E0-68FAB2809AEA}"/>
+                <a16:creationId xmlns:a16="http://schemas.microsoft.com/office/drawing/2014/main" id="{1BDDA495-6C9C-466B-B6E0-68FAB2809AEA}"/>
               </a:ext>
             </a:extLst>
           </p:cNvPr>
@@ -3654,7 +3650,7 @@
           <p:cNvPr id="39" name="TextBox 38">
             <a:extLst>
               <a:ext uri="{FF2B5EF4-FFF2-40B4-BE49-F238E27FC236}">
-                <a16:creationId xmlns:a16="http://schemas.microsoft.com/office/drawing/2014/main" xmlns="" id="{27C2F62A-39E8-4E6C-8D2E-8AF1455125ED}"/>
+                <a16:creationId xmlns:a16="http://schemas.microsoft.com/office/drawing/2014/main" id="{27C2F62A-39E8-4E6C-8D2E-8AF1455125ED}"/>
               </a:ext>
             </a:extLst>
           </p:cNvPr>
@@ -3697,7 +3693,7 @@
           <p:cNvPr id="40" name="TextBox 39">
             <a:extLst>
               <a:ext uri="{FF2B5EF4-FFF2-40B4-BE49-F238E27FC236}">
-                <a16:creationId xmlns:a16="http://schemas.microsoft.com/office/drawing/2014/main" xmlns="" id="{F00C4772-331B-431B-AC88-CE4A0F6B7EED}"/>
+                <a16:creationId xmlns:a16="http://schemas.microsoft.com/office/drawing/2014/main" id="{F00C4772-331B-431B-AC88-CE4A0F6B7EED}"/>
               </a:ext>
             </a:extLst>
           </p:cNvPr>
@@ -3750,7 +3746,7 @@
           <p:cNvPr id="44" name="직선 화살표 연결선 43">
             <a:extLst>
               <a:ext uri="{FF2B5EF4-FFF2-40B4-BE49-F238E27FC236}">
-                <a16:creationId xmlns:a16="http://schemas.microsoft.com/office/drawing/2014/main" xmlns="" id="{2584EC2D-8EA7-4673-B7E1-B26020F21A1A}"/>
+                <a16:creationId xmlns:a16="http://schemas.microsoft.com/office/drawing/2014/main" id="{2584EC2D-8EA7-4673-B7E1-B26020F21A1A}"/>
               </a:ext>
             </a:extLst>
           </p:cNvPr>
@@ -3792,7 +3788,7 @@
           <p:cNvPr id="45" name="직사각형 44">
             <a:extLst>
               <a:ext uri="{FF2B5EF4-FFF2-40B4-BE49-F238E27FC236}">
-                <a16:creationId xmlns:a16="http://schemas.microsoft.com/office/drawing/2014/main" xmlns="" id="{65E54A31-974E-4E9A-AAEA-41809633A7CC}"/>
+                <a16:creationId xmlns:a16="http://schemas.microsoft.com/office/drawing/2014/main" id="{65E54A31-974E-4E9A-AAEA-41809633A7CC}"/>
               </a:ext>
             </a:extLst>
           </p:cNvPr>
@@ -3841,14 +3837,14 @@
           </a:p>
         </p:txBody>
       </p:sp>
-      <mc:AlternateContent xmlns:mc="http://schemas.openxmlformats.org/markup-compatibility/2006">
-        <mc:Choice xmlns:a14="http://schemas.microsoft.com/office/drawing/2010/main" Requires="a14">
+      <mc:AlternateContent xmlns:mc="http://schemas.openxmlformats.org/markup-compatibility/2006" xmlns:a14="http://schemas.microsoft.com/office/drawing/2010/main">
+        <mc:Choice Requires="a14">
           <p:sp>
             <p:nvSpPr>
               <p:cNvPr id="46" name="TextBox 45">
                 <a:extLst>
                   <a:ext uri="{FF2B5EF4-FFF2-40B4-BE49-F238E27FC236}">
-                    <a16:creationId xmlns:a16="http://schemas.microsoft.com/office/drawing/2014/main" xmlns="" id="{94293931-A190-430C-A29F-6CE05DCCA29E}"/>
+                    <a16:creationId xmlns:a16="http://schemas.microsoft.com/office/drawing/2014/main" id="{94293931-A190-430C-A29F-6CE05DCCA29E}"/>
                   </a:ext>
                 </a:extLst>
               </p:cNvPr>
@@ -3892,7 +3888,7 @@
             </p:txBody>
           </p:sp>
         </mc:Choice>
-        <mc:Fallback>
+        <mc:Fallback xmlns="">
           <p:sp>
             <p:nvSpPr>
               <p:cNvPr id="46" name="TextBox 45">
@@ -3937,14 +3933,14 @@
           </p:sp>
         </mc:Fallback>
       </mc:AlternateContent>
-      <mc:AlternateContent xmlns:mc="http://schemas.openxmlformats.org/markup-compatibility/2006">
-        <mc:Choice xmlns:a14="http://schemas.microsoft.com/office/drawing/2010/main" Requires="a14">
+      <mc:AlternateContent xmlns:mc="http://schemas.openxmlformats.org/markup-compatibility/2006" xmlns:a14="http://schemas.microsoft.com/office/drawing/2010/main">
+        <mc:Choice Requires="a14">
           <p:sp>
             <p:nvSpPr>
               <p:cNvPr id="48" name="TextBox 47">
                 <a:extLst>
                   <a:ext uri="{FF2B5EF4-FFF2-40B4-BE49-F238E27FC236}">
-                    <a16:creationId xmlns:a16="http://schemas.microsoft.com/office/drawing/2014/main" xmlns="" id="{0CA8584E-B1CA-4C1B-9827-5D39930B3E6F}"/>
+                    <a16:creationId xmlns:a16="http://schemas.microsoft.com/office/drawing/2014/main" id="{0CA8584E-B1CA-4C1B-9827-5D39930B3E6F}"/>
                   </a:ext>
                 </a:extLst>
               </p:cNvPr>
@@ -3988,7 +3984,7 @@
             </p:txBody>
           </p:sp>
         </mc:Choice>
-        <mc:Fallback>
+        <mc:Fallback xmlns="">
           <p:sp>
             <p:nvSpPr>
               <p:cNvPr id="48" name="TextBox 47">
@@ -4033,14 +4029,14 @@
           </p:sp>
         </mc:Fallback>
       </mc:AlternateContent>
-      <mc:AlternateContent xmlns:mc="http://schemas.openxmlformats.org/markup-compatibility/2006">
-        <mc:Choice xmlns:a14="http://schemas.microsoft.com/office/drawing/2010/main" Requires="a14">
+      <mc:AlternateContent xmlns:mc="http://schemas.openxmlformats.org/markup-compatibility/2006" xmlns:a14="http://schemas.microsoft.com/office/drawing/2010/main">
+        <mc:Choice Requires="a14">
           <p:sp>
             <p:nvSpPr>
               <p:cNvPr id="50" name="TextBox 49">
                 <a:extLst>
                   <a:ext uri="{FF2B5EF4-FFF2-40B4-BE49-F238E27FC236}">
-                    <a16:creationId xmlns:a16="http://schemas.microsoft.com/office/drawing/2014/main" xmlns="" id="{F6F6794D-6866-46A0-888A-1395BB6F7DAF}"/>
+                    <a16:creationId xmlns:a16="http://schemas.microsoft.com/office/drawing/2014/main" id="{F6F6794D-6866-46A0-888A-1395BB6F7DAF}"/>
                   </a:ext>
                 </a:extLst>
               </p:cNvPr>
@@ -4084,7 +4080,7 @@
             </p:txBody>
           </p:sp>
         </mc:Choice>
-        <mc:Fallback>
+        <mc:Fallback xmlns="">
           <p:sp>
             <p:nvSpPr>
               <p:cNvPr id="50" name="TextBox 49">
@@ -4134,7 +4130,7 @@
           <p:cNvPr id="51" name="직선 화살표 연결선 50">
             <a:extLst>
               <a:ext uri="{FF2B5EF4-FFF2-40B4-BE49-F238E27FC236}">
-                <a16:creationId xmlns:a16="http://schemas.microsoft.com/office/drawing/2014/main" xmlns="" id="{5F20151B-03AA-4716-A659-FE84F58D1141}"/>
+                <a16:creationId xmlns:a16="http://schemas.microsoft.com/office/drawing/2014/main" id="{5F20151B-03AA-4716-A659-FE84F58D1141}"/>
               </a:ext>
             </a:extLst>
           </p:cNvPr>
@@ -4176,7 +4172,7 @@
           <p:cNvPr id="52" name="TextBox 51">
             <a:extLst>
               <a:ext uri="{FF2B5EF4-FFF2-40B4-BE49-F238E27FC236}">
-                <a16:creationId xmlns:a16="http://schemas.microsoft.com/office/drawing/2014/main" xmlns="" id="{1BDDA495-6C9C-466B-B6E0-68FAB2809AEA}"/>
+                <a16:creationId xmlns:a16="http://schemas.microsoft.com/office/drawing/2014/main" id="{1BDDA495-6C9C-466B-B6E0-68FAB2809AEA}"/>
               </a:ext>
             </a:extLst>
           </p:cNvPr>
@@ -4200,7 +4196,7 @@
           <a:lstStyle/>
           <a:p>
             <a:r>
-              <a:rPr lang="en-US" altLang="ko-KR" dirty="0" smtClean="0">
+              <a:rPr lang="en-US" altLang="ko-KR" dirty="0">
                 <a:latin typeface="Calibri" panose="020F0502020204030204" pitchFamily="34" charset="0"/>
                 <a:cs typeface="Calibri" panose="020F0502020204030204" pitchFamily="34" charset="0"/>
               </a:rPr>
@@ -4218,7 +4214,7 @@
           <p:cNvPr id="53" name="TextBox 52">
             <a:extLst>
               <a:ext uri="{FF2B5EF4-FFF2-40B4-BE49-F238E27FC236}">
-                <a16:creationId xmlns:a16="http://schemas.microsoft.com/office/drawing/2014/main" xmlns="" id="{27C2F62A-39E8-4E6C-8D2E-8AF1455125ED}"/>
+                <a16:creationId xmlns:a16="http://schemas.microsoft.com/office/drawing/2014/main" id="{27C2F62A-39E8-4E6C-8D2E-8AF1455125ED}"/>
               </a:ext>
             </a:extLst>
           </p:cNvPr>
@@ -4243,7 +4239,7 @@
           <a:p>
             <a:pPr algn="ctr"/>
             <a:r>
-              <a:rPr lang="en-US" altLang="ko-KR" dirty="0" smtClean="0">
+              <a:rPr lang="en-US" altLang="ko-KR" dirty="0">
                 <a:latin typeface="Calibri" panose="020F0502020204030204" pitchFamily="34" charset="0"/>
                 <a:cs typeface="Calibri" panose="020F0502020204030204" pitchFamily="34" charset="0"/>
               </a:rPr>
@@ -4261,7 +4257,7 @@
           <p:cNvPr id="54" name="TextBox 53">
             <a:extLst>
               <a:ext uri="{FF2B5EF4-FFF2-40B4-BE49-F238E27FC236}">
-                <a16:creationId xmlns:a16="http://schemas.microsoft.com/office/drawing/2014/main" xmlns="" id="{F00C4772-331B-431B-AC88-CE4A0F6B7EED}"/>
+                <a16:creationId xmlns:a16="http://schemas.microsoft.com/office/drawing/2014/main" id="{F00C4772-331B-431B-AC88-CE4A0F6B7EED}"/>
               </a:ext>
             </a:extLst>
           </p:cNvPr>
@@ -4296,7 +4292,7 @@
           <a:p>
             <a:pPr algn="ctr"/>
             <a:r>
-              <a:rPr lang="en-US" altLang="ko-KR" dirty="0" smtClean="0">
+              <a:rPr lang="en-US" altLang="ko-KR" dirty="0">
                 <a:latin typeface="Calibri" panose="020F0502020204030204" pitchFamily="34" charset="0"/>
                 <a:cs typeface="Calibri" panose="020F0502020204030204" pitchFamily="34" charset="0"/>
               </a:rPr>
@@ -4525,8 +4521,1535 @@
             <a:lstStyle/>
             <a:p>
               <a:r>
-                <a:rPr lang="ko-KR" altLang="en-US" dirty="0" smtClean="0"/>
+                <a:rPr lang="ko-KR" altLang="en-US" dirty="0"/>
                 <a:t>개념의 확장</a:t>
+              </a:r>
+            </a:p>
+          </p:txBody>
+        </p:sp>
+      </p:grpSp>
+    </p:spTree>
+    <p:extLst>
+      <p:ext uri="{BB962C8B-B14F-4D97-AF65-F5344CB8AC3E}">
+        <p14:creationId xmlns:p14="http://schemas.microsoft.com/office/powerpoint/2010/main" val="2234105180"/>
+      </p:ext>
+    </p:extLst>
+  </p:cSld>
+  <p:clrMapOvr>
+    <a:masterClrMapping/>
+  </p:clrMapOvr>
+</p:sld>
+</file>
+
+<file path=ppt/slides/slide2.xml><?xml version="1.0" encoding="utf-8"?>
+<p:sld xmlns:a="http://schemas.openxmlformats.org/drawingml/2006/main" xmlns:r="http://schemas.openxmlformats.org/officeDocument/2006/relationships" xmlns:p="http://schemas.openxmlformats.org/presentationml/2006/main">
+  <p:cSld>
+    <p:spTree>
+      <p:nvGrpSpPr>
+        <p:cNvPr id="1" name=""/>
+        <p:cNvGrpSpPr/>
+        <p:nvPr/>
+      </p:nvGrpSpPr>
+      <p:grpSpPr>
+        <a:xfrm>
+          <a:off x="0" y="0"/>
+          <a:ext cx="0" cy="0"/>
+          <a:chOff x="0" y="0"/>
+          <a:chExt cx="0" cy="0"/>
+        </a:xfrm>
+      </p:grpSpPr>
+      <p:cxnSp>
+        <p:nvCxnSpPr>
+          <p:cNvPr id="29" name="직선 화살표 연결선 28">
+            <a:extLst>
+              <a:ext uri="{FF2B5EF4-FFF2-40B4-BE49-F238E27FC236}">
+                <a16:creationId xmlns:a16="http://schemas.microsoft.com/office/drawing/2014/main" id="{2584EC2D-8EA7-4673-B7E1-B26020F21A1A}"/>
+              </a:ext>
+            </a:extLst>
+          </p:cNvPr>
+          <p:cNvCxnSpPr/>
+          <p:nvPr/>
+        </p:nvCxnSpPr>
+        <p:spPr>
+          <a:xfrm>
+            <a:off x="2062990" y="1008339"/>
+            <a:ext cx="1019833" cy="0"/>
+          </a:xfrm>
+          <a:prstGeom prst="straightConnector1">
+            <a:avLst/>
+          </a:prstGeom>
+          <a:ln>
+            <a:solidFill>
+              <a:schemeClr val="tx1"/>
+            </a:solidFill>
+            <a:tailEnd type="triangle"/>
+          </a:ln>
+        </p:spPr>
+        <p:style>
+          <a:lnRef idx="1">
+            <a:schemeClr val="accent1"/>
+          </a:lnRef>
+          <a:fillRef idx="0">
+            <a:schemeClr val="accent1"/>
+          </a:fillRef>
+          <a:effectRef idx="0">
+            <a:schemeClr val="accent1"/>
+          </a:effectRef>
+          <a:fontRef idx="minor">
+            <a:schemeClr val="tx1"/>
+          </a:fontRef>
+        </p:style>
+      </p:cxnSp>
+      <p:sp>
+        <p:nvSpPr>
+          <p:cNvPr id="31" name="직사각형 30">
+            <a:extLst>
+              <a:ext uri="{FF2B5EF4-FFF2-40B4-BE49-F238E27FC236}">
+                <a16:creationId xmlns:a16="http://schemas.microsoft.com/office/drawing/2014/main" id="{65E54A31-974E-4E9A-AAEA-41809633A7CC}"/>
+              </a:ext>
+            </a:extLst>
+          </p:cNvPr>
+          <p:cNvSpPr/>
+          <p:nvPr/>
+        </p:nvSpPr>
+        <p:spPr>
+          <a:xfrm>
+            <a:off x="3531990" y="477820"/>
+            <a:ext cx="1819904" cy="1061038"/>
+          </a:xfrm>
+          <a:prstGeom prst="rect">
+            <a:avLst/>
+          </a:prstGeom>
+          <a:solidFill>
+            <a:schemeClr val="bg1"/>
+          </a:solidFill>
+          <a:ln w="28575">
+            <a:solidFill>
+              <a:schemeClr val="accent1"/>
+            </a:solidFill>
+          </a:ln>
+        </p:spPr>
+        <p:style>
+          <a:lnRef idx="2">
+            <a:schemeClr val="accent1">
+              <a:shade val="50000"/>
+            </a:schemeClr>
+          </a:lnRef>
+          <a:fillRef idx="1">
+            <a:schemeClr val="accent1"/>
+          </a:fillRef>
+          <a:effectRef idx="0">
+            <a:schemeClr val="accent1"/>
+          </a:effectRef>
+          <a:fontRef idx="minor">
+            <a:schemeClr val="lt1"/>
+          </a:fontRef>
+        </p:style>
+        <p:txBody>
+          <a:bodyPr rtlCol="0" anchor="ctr"/>
+          <a:lstStyle/>
+          <a:p>
+            <a:pPr algn="ctr"/>
+            <a:endParaRPr lang="ko-KR" altLang="en-US" sz="3200" dirty="0"/>
+          </a:p>
+        </p:txBody>
+      </p:sp>
+      <mc:AlternateContent xmlns:mc="http://schemas.openxmlformats.org/markup-compatibility/2006" xmlns:a14="http://schemas.microsoft.com/office/drawing/2010/main">
+        <mc:Choice Requires="a14">
+          <p:sp>
+            <p:nvSpPr>
+              <p:cNvPr id="32" name="TextBox 31">
+                <a:extLst>
+                  <a:ext uri="{FF2B5EF4-FFF2-40B4-BE49-F238E27FC236}">
+                    <a16:creationId xmlns:a16="http://schemas.microsoft.com/office/drawing/2014/main" id="{94293931-A190-430C-A29F-6CE05DCCA29E}"/>
+                  </a:ext>
+                </a:extLst>
+              </p:cNvPr>
+              <p:cNvSpPr txBox="1"/>
+              <p:nvPr/>
+            </p:nvSpPr>
+            <p:spPr>
+              <a:xfrm>
+                <a:off x="4216468" y="790861"/>
+                <a:ext cx="450948" cy="434957"/>
+              </a:xfrm>
+              <a:prstGeom prst="rect">
+                <a:avLst/>
+              </a:prstGeom>
+              <a:noFill/>
+            </p:spPr>
+            <p:txBody>
+              <a:bodyPr wrap="none" rtlCol="0" anchor="ctr">
+                <a:spAutoFit/>
+              </a:bodyPr>
+              <a:lstStyle/>
+              <a:p>
+                <a:pPr/>
+                <a14:m>
+                  <m:oMathPara xmlns:m="http://schemas.openxmlformats.org/officeDocument/2006/math">
+                    <m:oMathParaPr>
+                      <m:jc m:val="center"/>
+                    </m:oMathParaPr>
+                    <m:oMath xmlns:m="http://schemas.openxmlformats.org/officeDocument/2006/math">
+                      <m:r>
+                        <a:rPr lang="en-US" altLang="ko-KR" sz="2800" i="1" dirty="0" smtClean="0">
+                          <a:latin typeface="Cambria Math" panose="02040503050406030204" pitchFamily="18" charset="0"/>
+                        </a:rPr>
+                        <m:t>𝐴</m:t>
+                      </m:r>
+                    </m:oMath>
+                  </m:oMathPara>
+                </a14:m>
+                <a:endParaRPr lang="ko-KR" altLang="en-US" dirty="0"/>
+              </a:p>
+            </p:txBody>
+          </p:sp>
+        </mc:Choice>
+        <mc:Fallback xmlns="">
+          <p:sp>
+            <p:nvSpPr>
+              <p:cNvPr id="32" name="TextBox 31">
+                <a:extLst>
+                  <a:ext uri="{FF2B5EF4-FFF2-40B4-BE49-F238E27FC236}">
+                    <a16:creationId xmlns:a16="http://schemas.microsoft.com/office/drawing/2014/main" xmlns:a14="http://schemas.microsoft.com/office/drawing/2010/main" xmlns="" id="{94293931-A190-430C-A29F-6CE05DCCA29E}"/>
+                  </a:ext>
+                </a:extLst>
+              </p:cNvPr>
+              <p:cNvSpPr txBox="1">
+                <a:spLocks noRot="1" noChangeAspect="1" noMove="1" noResize="1" noEditPoints="1" noAdjustHandles="1" noChangeArrowheads="1" noChangeShapeType="1" noTextEdit="1"/>
+              </p:cNvSpPr>
+              <p:nvPr/>
+            </p:nvSpPr>
+            <p:spPr>
+              <a:xfrm>
+                <a:off x="4216468" y="790861"/>
+                <a:ext cx="450948" cy="434957"/>
+              </a:xfrm>
+              <a:prstGeom prst="rect">
+                <a:avLst/>
+              </a:prstGeom>
+              <a:blipFill rotWithShape="1">
+                <a:blip r:embed="rId2"/>
+                <a:stretch>
+                  <a:fillRect/>
+                </a:stretch>
+              </a:blipFill>
+            </p:spPr>
+            <p:txBody>
+              <a:bodyPr/>
+              <a:lstStyle/>
+              <a:p>
+                <a:r>
+                  <a:rPr lang="ko-KR" altLang="en-US">
+                    <a:noFill/>
+                  </a:rPr>
+                  <a:t> </a:t>
+                </a:r>
+              </a:p>
+            </p:txBody>
+          </p:sp>
+        </mc:Fallback>
+      </mc:AlternateContent>
+      <p:sp>
+        <p:nvSpPr>
+          <p:cNvPr id="33" name="화살표: 오른쪽 3">
+            <a:extLst>
+              <a:ext uri="{FF2B5EF4-FFF2-40B4-BE49-F238E27FC236}">
+                <a16:creationId xmlns:a16="http://schemas.microsoft.com/office/drawing/2014/main" id="{AAB15ED2-4E8D-40DD-92EC-F920DB7ABD15}"/>
+              </a:ext>
+            </a:extLst>
+          </p:cNvPr>
+          <p:cNvSpPr/>
+          <p:nvPr/>
+        </p:nvSpPr>
+        <p:spPr>
+          <a:xfrm rot="19771702">
+            <a:off x="478512" y="657313"/>
+            <a:ext cx="1135311" cy="290002"/>
+          </a:xfrm>
+          <a:prstGeom prst="rightArrow">
+            <a:avLst>
+              <a:gd name="adj1" fmla="val 24065"/>
+              <a:gd name="adj2" fmla="val 68519"/>
+            </a:avLst>
+          </a:prstGeom>
+          <a:solidFill>
+            <a:schemeClr val="accent1">
+              <a:lumMod val="60000"/>
+              <a:lumOff val="40000"/>
+            </a:schemeClr>
+          </a:solidFill>
+          <a:ln>
+            <a:noFill/>
+          </a:ln>
+        </p:spPr>
+        <p:style>
+          <a:lnRef idx="2">
+            <a:schemeClr val="accent1">
+              <a:shade val="50000"/>
+            </a:schemeClr>
+          </a:lnRef>
+          <a:fillRef idx="1">
+            <a:schemeClr val="accent1"/>
+          </a:fillRef>
+          <a:effectRef idx="0">
+            <a:schemeClr val="accent1"/>
+          </a:effectRef>
+          <a:fontRef idx="minor">
+            <a:schemeClr val="lt1"/>
+          </a:fontRef>
+        </p:style>
+        <p:txBody>
+          <a:bodyPr rtlCol="0" anchor="ctr"/>
+          <a:lstStyle/>
+          <a:p>
+            <a:pPr algn="ctr"/>
+            <a:endParaRPr lang="ko-KR" altLang="en-US"/>
+          </a:p>
+        </p:txBody>
+      </p:sp>
+      <mc:AlternateContent xmlns:mc="http://schemas.openxmlformats.org/markup-compatibility/2006" xmlns:a14="http://schemas.microsoft.com/office/drawing/2010/main">
+        <mc:Choice Requires="a14">
+          <p:sp>
+            <p:nvSpPr>
+              <p:cNvPr id="34" name="TextBox 33">
+                <a:extLst>
+                  <a:ext uri="{FF2B5EF4-FFF2-40B4-BE49-F238E27FC236}">
+                    <a16:creationId xmlns:a16="http://schemas.microsoft.com/office/drawing/2014/main" id="{0CA8584E-B1CA-4C1B-9827-5D39930B3E6F}"/>
+                  </a:ext>
+                </a:extLst>
+              </p:cNvPr>
+              <p:cNvSpPr txBox="1"/>
+              <p:nvPr/>
+            </p:nvSpPr>
+            <p:spPr>
+              <a:xfrm>
+                <a:off x="906862" y="910803"/>
+                <a:ext cx="595223" cy="607127"/>
+              </a:xfrm>
+              <a:prstGeom prst="rect">
+                <a:avLst/>
+              </a:prstGeom>
+              <a:noFill/>
+            </p:spPr>
+            <p:txBody>
+              <a:bodyPr wrap="none" rtlCol="0">
+                <a:spAutoFit/>
+              </a:bodyPr>
+              <a:lstStyle/>
+              <a:p>
+                <a:pPr/>
+                <a14:m>
+                  <m:oMathPara xmlns:m="http://schemas.openxmlformats.org/officeDocument/2006/math">
+                    <m:oMathParaPr>
+                      <m:jc m:val="centerGroup"/>
+                    </m:oMathParaPr>
+                    <m:oMath xmlns:m="http://schemas.openxmlformats.org/officeDocument/2006/math">
+                      <m:acc>
+                        <m:accPr>
+                          <m:chr m:val="⃗"/>
+                          <m:ctrlPr>
+                            <a:rPr lang="en-US" altLang="ko-KR" sz="2800" b="0" i="1" dirty="0" smtClean="0">
+                              <a:latin typeface="Cambria Math" panose="02040503050406030204" pitchFamily="18" charset="0"/>
+                            </a:rPr>
+                          </m:ctrlPr>
+                        </m:accPr>
+                        <m:e>
+                          <m:r>
+                            <a:rPr lang="en-US" altLang="ko-KR" sz="2800" b="0" i="1" dirty="0" smtClean="0">
+                              <a:latin typeface="Cambria Math" panose="02040503050406030204" pitchFamily="18" charset="0"/>
+                            </a:rPr>
+                            <m:t>𝑥</m:t>
+                          </m:r>
+                        </m:e>
+                      </m:acc>
+                    </m:oMath>
+                  </m:oMathPara>
+                </a14:m>
+                <a:endParaRPr lang="ko-KR" altLang="en-US" dirty="0"/>
+              </a:p>
+            </p:txBody>
+          </p:sp>
+        </mc:Choice>
+        <mc:Fallback xmlns="">
+          <p:sp>
+            <p:nvSpPr>
+              <p:cNvPr id="34" name="TextBox 33">
+                <a:extLst>
+                  <a:ext uri="{FF2B5EF4-FFF2-40B4-BE49-F238E27FC236}">
+                    <a16:creationId xmlns:a16="http://schemas.microsoft.com/office/drawing/2014/main" xmlns:a14="http://schemas.microsoft.com/office/drawing/2010/main" xmlns="" id="{0CA8584E-B1CA-4C1B-9827-5D39930B3E6F}"/>
+                  </a:ext>
+                </a:extLst>
+              </p:cNvPr>
+              <p:cNvSpPr txBox="1">
+                <a:spLocks noRot="1" noChangeAspect="1" noMove="1" noResize="1" noEditPoints="1" noAdjustHandles="1" noChangeArrowheads="1" noChangeShapeType="1" noTextEdit="1"/>
+              </p:cNvSpPr>
+              <p:nvPr/>
+            </p:nvSpPr>
+            <p:spPr>
+              <a:xfrm>
+                <a:off x="906862" y="910803"/>
+                <a:ext cx="595223" cy="607127"/>
+              </a:xfrm>
+              <a:prstGeom prst="rect">
+                <a:avLst/>
+              </a:prstGeom>
+              <a:blipFill rotWithShape="1">
+                <a:blip r:embed="rId3"/>
+                <a:stretch>
+                  <a:fillRect/>
+                </a:stretch>
+              </a:blipFill>
+            </p:spPr>
+            <p:txBody>
+              <a:bodyPr/>
+              <a:lstStyle/>
+              <a:p>
+                <a:r>
+                  <a:rPr lang="ko-KR" altLang="en-US">
+                    <a:noFill/>
+                  </a:rPr>
+                  <a:t> </a:t>
+                </a:r>
+              </a:p>
+            </p:txBody>
+          </p:sp>
+        </mc:Fallback>
+      </mc:AlternateContent>
+      <p:sp>
+        <p:nvSpPr>
+          <p:cNvPr id="35" name="화살표: 오른쪽 9">
+            <a:extLst>
+              <a:ext uri="{FF2B5EF4-FFF2-40B4-BE49-F238E27FC236}">
+                <a16:creationId xmlns:a16="http://schemas.microsoft.com/office/drawing/2014/main" id="{DA942FFD-F9AB-439D-B376-BC77D850DB19}"/>
+              </a:ext>
+            </a:extLst>
+          </p:cNvPr>
+          <p:cNvSpPr/>
+          <p:nvPr/>
+        </p:nvSpPr>
+        <p:spPr>
+          <a:xfrm rot="1105174">
+            <a:off x="7377826" y="636325"/>
+            <a:ext cx="1400030" cy="201841"/>
+          </a:xfrm>
+          <a:prstGeom prst="rightArrow">
+            <a:avLst>
+              <a:gd name="adj1" fmla="val 24065"/>
+              <a:gd name="adj2" fmla="val 68519"/>
+            </a:avLst>
+          </a:prstGeom>
+          <a:solidFill>
+            <a:schemeClr val="accent2">
+              <a:lumMod val="60000"/>
+              <a:lumOff val="40000"/>
+            </a:schemeClr>
+          </a:solidFill>
+          <a:ln>
+            <a:noFill/>
+          </a:ln>
+        </p:spPr>
+        <p:style>
+          <a:lnRef idx="2">
+            <a:schemeClr val="accent1">
+              <a:shade val="50000"/>
+            </a:schemeClr>
+          </a:lnRef>
+          <a:fillRef idx="1">
+            <a:schemeClr val="accent1"/>
+          </a:fillRef>
+          <a:effectRef idx="0">
+            <a:schemeClr val="accent1"/>
+          </a:effectRef>
+          <a:fontRef idx="minor">
+            <a:schemeClr val="lt1"/>
+          </a:fontRef>
+        </p:style>
+        <p:txBody>
+          <a:bodyPr rtlCol="0" anchor="ctr"/>
+          <a:lstStyle/>
+          <a:p>
+            <a:pPr algn="ctr"/>
+            <a:endParaRPr lang="ko-KR" altLang="en-US"/>
+          </a:p>
+        </p:txBody>
+      </p:sp>
+      <mc:AlternateContent xmlns:mc="http://schemas.openxmlformats.org/markup-compatibility/2006" xmlns:a14="http://schemas.microsoft.com/office/drawing/2010/main">
+        <mc:Choice Requires="a14">
+          <p:sp>
+            <p:nvSpPr>
+              <p:cNvPr id="36" name="TextBox 35">
+                <a:extLst>
+                  <a:ext uri="{FF2B5EF4-FFF2-40B4-BE49-F238E27FC236}">
+                    <a16:creationId xmlns:a16="http://schemas.microsoft.com/office/drawing/2014/main" id="{F6F6794D-6866-46A0-888A-1395BB6F7DAF}"/>
+                  </a:ext>
+                </a:extLst>
+              </p:cNvPr>
+              <p:cNvSpPr txBox="1"/>
+              <p:nvPr/>
+            </p:nvSpPr>
+            <p:spPr>
+              <a:xfrm>
+                <a:off x="7390354" y="910803"/>
+                <a:ext cx="863444" cy="607127"/>
+              </a:xfrm>
+              <a:prstGeom prst="rect">
+                <a:avLst/>
+              </a:prstGeom>
+              <a:noFill/>
+            </p:spPr>
+            <p:txBody>
+              <a:bodyPr wrap="none" rtlCol="0">
+                <a:spAutoFit/>
+              </a:bodyPr>
+              <a:lstStyle/>
+              <a:p>
+                <a:pPr/>
+                <a14:m>
+                  <m:oMathPara xmlns:m="http://schemas.openxmlformats.org/officeDocument/2006/math">
+                    <m:oMathParaPr>
+                      <m:jc m:val="centerGroup"/>
+                    </m:oMathParaPr>
+                    <m:oMath xmlns:m="http://schemas.openxmlformats.org/officeDocument/2006/math">
+                      <m:r>
+                        <a:rPr lang="en-US" altLang="ko-KR" sz="2800" b="0" i="1" dirty="0" smtClean="0">
+                          <a:latin typeface="Cambria Math" panose="02040503050406030204" pitchFamily="18" charset="0"/>
+                        </a:rPr>
+                        <m:t>𝐴</m:t>
+                      </m:r>
+                      <m:acc>
+                        <m:accPr>
+                          <m:chr m:val="⃗"/>
+                          <m:ctrlPr>
+                            <a:rPr lang="en-US" altLang="ko-KR" sz="2800" b="0" i="1" dirty="0" smtClean="0">
+                              <a:latin typeface="Cambria Math" panose="02040503050406030204" pitchFamily="18" charset="0"/>
+                            </a:rPr>
+                          </m:ctrlPr>
+                        </m:accPr>
+                        <m:e>
+                          <m:r>
+                            <a:rPr lang="en-US" altLang="ko-KR" sz="2800" b="0" i="1" dirty="0" smtClean="0">
+                              <a:latin typeface="Cambria Math" panose="02040503050406030204" pitchFamily="18" charset="0"/>
+                            </a:rPr>
+                            <m:t>𝑥</m:t>
+                          </m:r>
+                        </m:e>
+                      </m:acc>
+                    </m:oMath>
+                  </m:oMathPara>
+                </a14:m>
+                <a:endParaRPr lang="ko-KR" altLang="en-US" dirty="0"/>
+              </a:p>
+            </p:txBody>
+          </p:sp>
+        </mc:Choice>
+        <mc:Fallback xmlns="">
+          <p:sp>
+            <p:nvSpPr>
+              <p:cNvPr id="36" name="TextBox 35">
+                <a:extLst>
+                  <a:ext uri="{FF2B5EF4-FFF2-40B4-BE49-F238E27FC236}">
+                    <a16:creationId xmlns:a16="http://schemas.microsoft.com/office/drawing/2014/main" xmlns:a14="http://schemas.microsoft.com/office/drawing/2010/main" xmlns="" id="{F6F6794D-6866-46A0-888A-1395BB6F7DAF}"/>
+                  </a:ext>
+                </a:extLst>
+              </p:cNvPr>
+              <p:cNvSpPr txBox="1">
+                <a:spLocks noRot="1" noChangeAspect="1" noMove="1" noResize="1" noEditPoints="1" noAdjustHandles="1" noChangeArrowheads="1" noChangeShapeType="1" noTextEdit="1"/>
+              </p:cNvSpPr>
+              <p:nvPr/>
+            </p:nvSpPr>
+            <p:spPr>
+              <a:xfrm>
+                <a:off x="7390354" y="910803"/>
+                <a:ext cx="863444" cy="607127"/>
+              </a:xfrm>
+              <a:prstGeom prst="rect">
+                <a:avLst/>
+              </a:prstGeom>
+              <a:blipFill rotWithShape="1">
+                <a:blip r:embed="rId4"/>
+                <a:stretch>
+                  <a:fillRect/>
+                </a:stretch>
+              </a:blipFill>
+            </p:spPr>
+            <p:txBody>
+              <a:bodyPr/>
+              <a:lstStyle/>
+              <a:p>
+                <a:r>
+                  <a:rPr lang="ko-KR" altLang="en-US">
+                    <a:noFill/>
+                  </a:rPr>
+                  <a:t> </a:t>
+                </a:r>
+              </a:p>
+            </p:txBody>
+          </p:sp>
+        </mc:Fallback>
+      </mc:AlternateContent>
+      <p:cxnSp>
+        <p:nvCxnSpPr>
+          <p:cNvPr id="37" name="직선 화살표 연결선 36">
+            <a:extLst>
+              <a:ext uri="{FF2B5EF4-FFF2-40B4-BE49-F238E27FC236}">
+                <a16:creationId xmlns:a16="http://schemas.microsoft.com/office/drawing/2014/main" id="{5F20151B-03AA-4716-A659-FE84F58D1141}"/>
+              </a:ext>
+            </a:extLst>
+          </p:cNvPr>
+          <p:cNvCxnSpPr/>
+          <p:nvPr/>
+        </p:nvCxnSpPr>
+        <p:spPr>
+          <a:xfrm>
+            <a:off x="5801061" y="1008339"/>
+            <a:ext cx="1019833" cy="0"/>
+          </a:xfrm>
+          <a:prstGeom prst="straightConnector1">
+            <a:avLst/>
+          </a:prstGeom>
+          <a:ln>
+            <a:solidFill>
+              <a:schemeClr val="tx1"/>
+            </a:solidFill>
+            <a:tailEnd type="triangle"/>
+          </a:ln>
+        </p:spPr>
+        <p:style>
+          <a:lnRef idx="1">
+            <a:schemeClr val="accent1"/>
+          </a:lnRef>
+          <a:fillRef idx="0">
+            <a:schemeClr val="accent1"/>
+          </a:fillRef>
+          <a:effectRef idx="0">
+            <a:schemeClr val="accent1"/>
+          </a:effectRef>
+          <a:fontRef idx="minor">
+            <a:schemeClr val="tx1"/>
+          </a:fontRef>
+        </p:style>
+      </p:cxnSp>
+      <p:sp>
+        <p:nvSpPr>
+          <p:cNvPr id="38" name="TextBox 37">
+            <a:extLst>
+              <a:ext uri="{FF2B5EF4-FFF2-40B4-BE49-F238E27FC236}">
+                <a16:creationId xmlns:a16="http://schemas.microsoft.com/office/drawing/2014/main" id="{1BDDA495-6C9C-466B-B6E0-68FAB2809AEA}"/>
+              </a:ext>
+            </a:extLst>
+          </p:cNvPr>
+          <p:cNvSpPr txBox="1"/>
+          <p:nvPr/>
+        </p:nvSpPr>
+        <p:spPr>
+          <a:xfrm>
+            <a:off x="822523" y="1596900"/>
+            <a:ext cx="645507" cy="307029"/>
+          </a:xfrm>
+          <a:prstGeom prst="rect">
+            <a:avLst/>
+          </a:prstGeom>
+          <a:noFill/>
+        </p:spPr>
+        <p:txBody>
+          <a:bodyPr wrap="none" rtlCol="0">
+            <a:spAutoFit/>
+          </a:bodyPr>
+          <a:lstStyle/>
+          <a:p>
+            <a:r>
+              <a:rPr lang="en-US" altLang="ko-KR" dirty="0">
+                <a:latin typeface="Calibri" panose="020F0502020204030204" pitchFamily="34" charset="0"/>
+                <a:cs typeface="Calibri" panose="020F0502020204030204" pitchFamily="34" charset="0"/>
+              </a:rPr>
+              <a:t>vector</a:t>
+            </a:r>
+            <a:endParaRPr lang="ko-KR" altLang="en-US" dirty="0">
+              <a:latin typeface="Calibri" panose="020F0502020204030204" pitchFamily="34" charset="0"/>
+              <a:cs typeface="Calibri" panose="020F0502020204030204" pitchFamily="34" charset="0"/>
+            </a:endParaRPr>
+          </a:p>
+        </p:txBody>
+      </p:sp>
+      <p:sp>
+        <p:nvSpPr>
+          <p:cNvPr id="39" name="TextBox 38">
+            <a:extLst>
+              <a:ext uri="{FF2B5EF4-FFF2-40B4-BE49-F238E27FC236}">
+                <a16:creationId xmlns:a16="http://schemas.microsoft.com/office/drawing/2014/main" id="{27C2F62A-39E8-4E6C-8D2E-8AF1455125ED}"/>
+              </a:ext>
+            </a:extLst>
+          </p:cNvPr>
+          <p:cNvSpPr txBox="1"/>
+          <p:nvPr/>
+        </p:nvSpPr>
+        <p:spPr>
+          <a:xfrm>
+            <a:off x="4114871" y="1596900"/>
+            <a:ext cx="654141" cy="307029"/>
+          </a:xfrm>
+          <a:prstGeom prst="rect">
+            <a:avLst/>
+          </a:prstGeom>
+          <a:noFill/>
+        </p:spPr>
+        <p:txBody>
+          <a:bodyPr wrap="none" rtlCol="0">
+            <a:spAutoFit/>
+          </a:bodyPr>
+          <a:lstStyle/>
+          <a:p>
+            <a:pPr algn="ctr"/>
+            <a:r>
+              <a:rPr lang="en-US" altLang="ko-KR" dirty="0">
+                <a:latin typeface="Calibri" panose="020F0502020204030204" pitchFamily="34" charset="0"/>
+                <a:cs typeface="Calibri" panose="020F0502020204030204" pitchFamily="34" charset="0"/>
+              </a:rPr>
+              <a:t>matrix</a:t>
+            </a:r>
+            <a:endParaRPr lang="ko-KR" altLang="en-US" dirty="0">
+              <a:latin typeface="Calibri" panose="020F0502020204030204" pitchFamily="34" charset="0"/>
+              <a:cs typeface="Calibri" panose="020F0502020204030204" pitchFamily="34" charset="0"/>
+            </a:endParaRPr>
+          </a:p>
+        </p:txBody>
+      </p:sp>
+      <p:sp>
+        <p:nvSpPr>
+          <p:cNvPr id="40" name="TextBox 39">
+            <a:extLst>
+              <a:ext uri="{FF2B5EF4-FFF2-40B4-BE49-F238E27FC236}">
+                <a16:creationId xmlns:a16="http://schemas.microsoft.com/office/drawing/2014/main" id="{F00C4772-331B-431B-AC88-CE4A0F6B7EED}"/>
+              </a:ext>
+            </a:extLst>
+          </p:cNvPr>
+          <p:cNvSpPr txBox="1"/>
+          <p:nvPr/>
+        </p:nvSpPr>
+        <p:spPr>
+          <a:xfrm>
+            <a:off x="7424831" y="1481764"/>
+            <a:ext cx="794490" cy="537300"/>
+          </a:xfrm>
+          <a:prstGeom prst="rect">
+            <a:avLst/>
+          </a:prstGeom>
+          <a:noFill/>
+        </p:spPr>
+        <p:txBody>
+          <a:bodyPr wrap="none" rtlCol="0">
+            <a:spAutoFit/>
+          </a:bodyPr>
+          <a:lstStyle/>
+          <a:p>
+            <a:pPr algn="ctr"/>
+            <a:r>
+              <a:rPr lang="en-US" altLang="ko-KR" dirty="0">
+                <a:latin typeface="Calibri" panose="020F0502020204030204" pitchFamily="34" charset="0"/>
+                <a:cs typeface="Calibri" panose="020F0502020204030204" pitchFamily="34" charset="0"/>
+              </a:rPr>
+              <a:t>Another</a:t>
+            </a:r>
+          </a:p>
+          <a:p>
+            <a:pPr algn="ctr"/>
+            <a:r>
+              <a:rPr lang="en-US" altLang="ko-KR" dirty="0">
+                <a:latin typeface="Calibri" panose="020F0502020204030204" pitchFamily="34" charset="0"/>
+                <a:cs typeface="Calibri" panose="020F0502020204030204" pitchFamily="34" charset="0"/>
+              </a:rPr>
+              <a:t>vector</a:t>
+            </a:r>
+            <a:endParaRPr lang="ko-KR" altLang="en-US" dirty="0">
+              <a:latin typeface="Calibri" panose="020F0502020204030204" pitchFamily="34" charset="0"/>
+              <a:cs typeface="Calibri" panose="020F0502020204030204" pitchFamily="34" charset="0"/>
+            </a:endParaRPr>
+          </a:p>
+        </p:txBody>
+      </p:sp>
+      <p:cxnSp>
+        <p:nvCxnSpPr>
+          <p:cNvPr id="44" name="직선 화살표 연결선 43">
+            <a:extLst>
+              <a:ext uri="{FF2B5EF4-FFF2-40B4-BE49-F238E27FC236}">
+                <a16:creationId xmlns:a16="http://schemas.microsoft.com/office/drawing/2014/main" id="{2584EC2D-8EA7-4673-B7E1-B26020F21A1A}"/>
+              </a:ext>
+            </a:extLst>
+          </p:cNvPr>
+          <p:cNvCxnSpPr/>
+          <p:nvPr/>
+        </p:nvCxnSpPr>
+        <p:spPr>
+          <a:xfrm>
+            <a:off x="2062989" y="3654955"/>
+            <a:ext cx="1019833" cy="0"/>
+          </a:xfrm>
+          <a:prstGeom prst="straightConnector1">
+            <a:avLst/>
+          </a:prstGeom>
+          <a:ln>
+            <a:solidFill>
+              <a:schemeClr val="tx1"/>
+            </a:solidFill>
+            <a:tailEnd type="triangle"/>
+          </a:ln>
+        </p:spPr>
+        <p:style>
+          <a:lnRef idx="1">
+            <a:schemeClr val="accent1"/>
+          </a:lnRef>
+          <a:fillRef idx="0">
+            <a:schemeClr val="accent1"/>
+          </a:fillRef>
+          <a:effectRef idx="0">
+            <a:schemeClr val="accent1"/>
+          </a:effectRef>
+          <a:fontRef idx="minor">
+            <a:schemeClr val="tx1"/>
+          </a:fontRef>
+        </p:style>
+      </p:cxnSp>
+      <p:sp>
+        <p:nvSpPr>
+          <p:cNvPr id="45" name="직사각형 44">
+            <a:extLst>
+              <a:ext uri="{FF2B5EF4-FFF2-40B4-BE49-F238E27FC236}">
+                <a16:creationId xmlns:a16="http://schemas.microsoft.com/office/drawing/2014/main" id="{65E54A31-974E-4E9A-AAEA-41809633A7CC}"/>
+              </a:ext>
+            </a:extLst>
+          </p:cNvPr>
+          <p:cNvSpPr/>
+          <p:nvPr/>
+        </p:nvSpPr>
+        <p:spPr>
+          <a:xfrm>
+            <a:off x="3531989" y="3124436"/>
+            <a:ext cx="1819904" cy="1061038"/>
+          </a:xfrm>
+          <a:prstGeom prst="rect">
+            <a:avLst/>
+          </a:prstGeom>
+          <a:solidFill>
+            <a:schemeClr val="bg1"/>
+          </a:solidFill>
+          <a:ln w="28575">
+            <a:solidFill>
+              <a:schemeClr val="accent1"/>
+            </a:solidFill>
+          </a:ln>
+        </p:spPr>
+        <p:style>
+          <a:lnRef idx="2">
+            <a:schemeClr val="accent1">
+              <a:shade val="50000"/>
+            </a:schemeClr>
+          </a:lnRef>
+          <a:fillRef idx="1">
+            <a:schemeClr val="accent1"/>
+          </a:fillRef>
+          <a:effectRef idx="0">
+            <a:schemeClr val="accent1"/>
+          </a:effectRef>
+          <a:fontRef idx="minor">
+            <a:schemeClr val="lt1"/>
+          </a:fontRef>
+        </p:style>
+        <p:txBody>
+          <a:bodyPr rtlCol="0" anchor="ctr"/>
+          <a:lstStyle/>
+          <a:p>
+            <a:pPr algn="ctr"/>
+            <a:endParaRPr lang="ko-KR" altLang="en-US" sz="3200" dirty="0"/>
+          </a:p>
+        </p:txBody>
+      </p:sp>
+      <mc:AlternateContent xmlns:mc="http://schemas.openxmlformats.org/markup-compatibility/2006" xmlns:a14="http://schemas.microsoft.com/office/drawing/2010/main">
+        <mc:Choice Requires="a14">
+          <p:sp>
+            <p:nvSpPr>
+              <p:cNvPr id="46" name="TextBox 45">
+                <a:extLst>
+                  <a:ext uri="{FF2B5EF4-FFF2-40B4-BE49-F238E27FC236}">
+                    <a16:creationId xmlns:a16="http://schemas.microsoft.com/office/drawing/2014/main" id="{94293931-A190-430C-A29F-6CE05DCCA29E}"/>
+                  </a:ext>
+                </a:extLst>
+              </p:cNvPr>
+              <p:cNvSpPr txBox="1"/>
+              <p:nvPr/>
+            </p:nvSpPr>
+            <p:spPr>
+              <a:xfrm>
+                <a:off x="4216467" y="3393346"/>
+                <a:ext cx="509434" cy="523220"/>
+              </a:xfrm>
+              <a:prstGeom prst="rect">
+                <a:avLst/>
+              </a:prstGeom>
+              <a:noFill/>
+            </p:spPr>
+            <p:txBody>
+              <a:bodyPr wrap="none" rtlCol="0" anchor="ctr">
+                <a:spAutoFit/>
+              </a:bodyPr>
+              <a:lstStyle/>
+              <a:p>
+                <a:pPr/>
+                <a14:m>
+                  <m:oMathPara xmlns:m="http://schemas.openxmlformats.org/officeDocument/2006/math">
+                    <m:oMathParaPr>
+                      <m:jc m:val="center"/>
+                    </m:oMathParaPr>
+                    <m:oMath xmlns:m="http://schemas.openxmlformats.org/officeDocument/2006/math">
+                      <m:r>
+                        <a:rPr lang="en-US" altLang="ko-KR" sz="2800" b="0" i="1" dirty="0" smtClean="0">
+                          <a:latin typeface="Cambria Math"/>
+                        </a:rPr>
+                        <m:t>𝐿</m:t>
+                      </m:r>
+                    </m:oMath>
+                  </m:oMathPara>
+                </a14:m>
+                <a:endParaRPr lang="ko-KR" altLang="en-US" dirty="0"/>
+              </a:p>
+            </p:txBody>
+          </p:sp>
+        </mc:Choice>
+        <mc:Fallback xmlns="">
+          <p:sp>
+            <p:nvSpPr>
+              <p:cNvPr id="46" name="TextBox 45">
+                <a:extLst>
+                  <a:ext uri="{FF2B5EF4-FFF2-40B4-BE49-F238E27FC236}">
+                    <a16:creationId xmlns:a16="http://schemas.microsoft.com/office/drawing/2014/main" xmlns:a14="http://schemas.microsoft.com/office/drawing/2010/main" xmlns="" id="{94293931-A190-430C-A29F-6CE05DCCA29E}"/>
+                  </a:ext>
+                </a:extLst>
+              </p:cNvPr>
+              <p:cNvSpPr txBox="1">
+                <a:spLocks noRot="1" noChangeAspect="1" noMove="1" noResize="1" noEditPoints="1" noAdjustHandles="1" noChangeArrowheads="1" noChangeShapeType="1" noTextEdit="1"/>
+              </p:cNvSpPr>
+              <p:nvPr/>
+            </p:nvSpPr>
+            <p:spPr>
+              <a:xfrm>
+                <a:off x="4216467" y="3393346"/>
+                <a:ext cx="509434" cy="523220"/>
+              </a:xfrm>
+              <a:prstGeom prst="rect">
+                <a:avLst/>
+              </a:prstGeom>
+              <a:blipFill rotWithShape="1">
+                <a:blip r:embed="rId5"/>
+                <a:stretch>
+                  <a:fillRect/>
+                </a:stretch>
+              </a:blipFill>
+            </p:spPr>
+            <p:txBody>
+              <a:bodyPr/>
+              <a:lstStyle/>
+              <a:p>
+                <a:r>
+                  <a:rPr lang="ko-KR" altLang="en-US">
+                    <a:noFill/>
+                  </a:rPr>
+                  <a:t> </a:t>
+                </a:r>
+              </a:p>
+            </p:txBody>
+          </p:sp>
+        </mc:Fallback>
+      </mc:AlternateContent>
+      <mc:AlternateContent xmlns:mc="http://schemas.openxmlformats.org/markup-compatibility/2006" xmlns:a14="http://schemas.microsoft.com/office/drawing/2010/main">
+        <mc:Choice Requires="a14">
+          <p:sp>
+            <p:nvSpPr>
+              <p:cNvPr id="48" name="TextBox 47">
+                <a:extLst>
+                  <a:ext uri="{FF2B5EF4-FFF2-40B4-BE49-F238E27FC236}">
+                    <a16:creationId xmlns:a16="http://schemas.microsoft.com/office/drawing/2014/main" id="{0CA8584E-B1CA-4C1B-9827-5D39930B3E6F}"/>
+                  </a:ext>
+                </a:extLst>
+              </p:cNvPr>
+              <p:cNvSpPr txBox="1"/>
+              <p:nvPr/>
+            </p:nvSpPr>
+            <p:spPr>
+              <a:xfrm>
+                <a:off x="906861" y="3557419"/>
+                <a:ext cx="518988" cy="523220"/>
+              </a:xfrm>
+              <a:prstGeom prst="rect">
+                <a:avLst/>
+              </a:prstGeom>
+              <a:noFill/>
+            </p:spPr>
+            <p:txBody>
+              <a:bodyPr wrap="none" rtlCol="0">
+                <a:spAutoFit/>
+              </a:bodyPr>
+              <a:lstStyle/>
+              <a:p>
+                <a:pPr/>
+                <a14:m>
+                  <m:oMathPara xmlns:m="http://schemas.openxmlformats.org/officeDocument/2006/math">
+                    <m:oMathParaPr>
+                      <m:jc m:val="centerGroup"/>
+                    </m:oMathParaPr>
+                    <m:oMath xmlns:m="http://schemas.openxmlformats.org/officeDocument/2006/math">
+                      <m:r>
+                        <a:rPr lang="en-US" altLang="ko-KR" sz="2800" b="0" i="1" dirty="0" smtClean="0">
+                          <a:latin typeface="Cambria Math"/>
+                        </a:rPr>
+                        <m:t>𝑓</m:t>
+                      </m:r>
+                    </m:oMath>
+                  </m:oMathPara>
+                </a14:m>
+                <a:endParaRPr lang="ko-KR" altLang="en-US" dirty="0"/>
+              </a:p>
+            </p:txBody>
+          </p:sp>
+        </mc:Choice>
+        <mc:Fallback xmlns="">
+          <p:sp>
+            <p:nvSpPr>
+              <p:cNvPr id="48" name="TextBox 47">
+                <a:extLst>
+                  <a:ext uri="{FF2B5EF4-FFF2-40B4-BE49-F238E27FC236}">
+                    <a16:creationId xmlns:a16="http://schemas.microsoft.com/office/drawing/2014/main" xmlns:a14="http://schemas.microsoft.com/office/drawing/2010/main" xmlns="" id="{0CA8584E-B1CA-4C1B-9827-5D39930B3E6F}"/>
+                  </a:ext>
+                </a:extLst>
+              </p:cNvPr>
+              <p:cNvSpPr txBox="1">
+                <a:spLocks noRot="1" noChangeAspect="1" noMove="1" noResize="1" noEditPoints="1" noAdjustHandles="1" noChangeArrowheads="1" noChangeShapeType="1" noTextEdit="1"/>
+              </p:cNvSpPr>
+              <p:nvPr/>
+            </p:nvSpPr>
+            <p:spPr>
+              <a:xfrm>
+                <a:off x="906861" y="3557419"/>
+                <a:ext cx="518988" cy="523220"/>
+              </a:xfrm>
+              <a:prstGeom prst="rect">
+                <a:avLst/>
+              </a:prstGeom>
+              <a:blipFill rotWithShape="1">
+                <a:blip r:embed="rId6"/>
+                <a:stretch>
+                  <a:fillRect/>
+                </a:stretch>
+              </a:blipFill>
+            </p:spPr>
+            <p:txBody>
+              <a:bodyPr/>
+              <a:lstStyle/>
+              <a:p>
+                <a:r>
+                  <a:rPr lang="ko-KR" altLang="en-US">
+                    <a:noFill/>
+                  </a:rPr>
+                  <a:t> </a:t>
+                </a:r>
+              </a:p>
+            </p:txBody>
+          </p:sp>
+        </mc:Fallback>
+      </mc:AlternateContent>
+      <mc:AlternateContent xmlns:mc="http://schemas.openxmlformats.org/markup-compatibility/2006" xmlns:a14="http://schemas.microsoft.com/office/drawing/2010/main">
+        <mc:Choice Requires="a14">
+          <p:sp>
+            <p:nvSpPr>
+              <p:cNvPr id="50" name="TextBox 49">
+                <a:extLst>
+                  <a:ext uri="{FF2B5EF4-FFF2-40B4-BE49-F238E27FC236}">
+                    <a16:creationId xmlns:a16="http://schemas.microsoft.com/office/drawing/2014/main" id="{F6F6794D-6866-46A0-888A-1395BB6F7DAF}"/>
+                  </a:ext>
+                </a:extLst>
+              </p:cNvPr>
+              <p:cNvSpPr txBox="1"/>
+              <p:nvPr/>
+            </p:nvSpPr>
+            <p:spPr>
+              <a:xfrm>
+                <a:off x="7508503" y="3700798"/>
+                <a:ext cx="636136" cy="461665"/>
+              </a:xfrm>
+              <a:prstGeom prst="rect">
+                <a:avLst/>
+              </a:prstGeom>
+              <a:noFill/>
+            </p:spPr>
+            <p:txBody>
+              <a:bodyPr wrap="none" rtlCol="0">
+                <a:spAutoFit/>
+              </a:bodyPr>
+              <a:lstStyle/>
+              <a:p>
+                <a:pPr/>
+                <a14:m>
+                  <m:oMathPara xmlns:m="http://schemas.openxmlformats.org/officeDocument/2006/math">
+                    <m:oMathParaPr>
+                      <m:jc m:val="centerGroup"/>
+                    </m:oMathParaPr>
+                    <m:oMath xmlns:m="http://schemas.openxmlformats.org/officeDocument/2006/math">
+                      <m:r>
+                        <a:rPr lang="en-US" altLang="ko-KR" sz="2400" b="0" i="1" smtClean="0">
+                          <a:latin typeface="Cambria Math"/>
+                        </a:rPr>
+                        <m:t>𝐿𝑓</m:t>
+                      </m:r>
+                    </m:oMath>
+                  </m:oMathPara>
+                </a14:m>
+                <a:endParaRPr lang="ko-KR" altLang="en-US" sz="2400" dirty="0"/>
+              </a:p>
+            </p:txBody>
+          </p:sp>
+        </mc:Choice>
+        <mc:Fallback xmlns="">
+          <p:sp>
+            <p:nvSpPr>
+              <p:cNvPr id="50" name="TextBox 49">
+                <a:extLst>
+                  <a:ext uri="{FF2B5EF4-FFF2-40B4-BE49-F238E27FC236}">
+                    <a16:creationId xmlns:a16="http://schemas.microsoft.com/office/drawing/2014/main" xmlns:a14="http://schemas.microsoft.com/office/drawing/2010/main" xmlns="" id="{F6F6794D-6866-46A0-888A-1395BB6F7DAF}"/>
+                  </a:ext>
+                </a:extLst>
+              </p:cNvPr>
+              <p:cNvSpPr txBox="1">
+                <a:spLocks noRot="1" noChangeAspect="1" noMove="1" noResize="1" noEditPoints="1" noAdjustHandles="1" noChangeArrowheads="1" noChangeShapeType="1" noTextEdit="1"/>
+              </p:cNvSpPr>
+              <p:nvPr/>
+            </p:nvSpPr>
+            <p:spPr>
+              <a:xfrm>
+                <a:off x="7508503" y="3700798"/>
+                <a:ext cx="636136" cy="461665"/>
+              </a:xfrm>
+              <a:prstGeom prst="rect">
+                <a:avLst/>
+              </a:prstGeom>
+              <a:blipFill rotWithShape="1">
+                <a:blip r:embed="rId7"/>
+                <a:stretch>
+                  <a:fillRect b="-19737"/>
+                </a:stretch>
+              </a:blipFill>
+            </p:spPr>
+            <p:txBody>
+              <a:bodyPr/>
+              <a:lstStyle/>
+              <a:p>
+                <a:r>
+                  <a:rPr lang="ko-KR" altLang="en-US">
+                    <a:noFill/>
+                  </a:rPr>
+                  <a:t> </a:t>
+                </a:r>
+              </a:p>
+            </p:txBody>
+          </p:sp>
+        </mc:Fallback>
+      </mc:AlternateContent>
+      <p:cxnSp>
+        <p:nvCxnSpPr>
+          <p:cNvPr id="51" name="직선 화살표 연결선 50">
+            <a:extLst>
+              <a:ext uri="{FF2B5EF4-FFF2-40B4-BE49-F238E27FC236}">
+                <a16:creationId xmlns:a16="http://schemas.microsoft.com/office/drawing/2014/main" id="{5F20151B-03AA-4716-A659-FE84F58D1141}"/>
+              </a:ext>
+            </a:extLst>
+          </p:cNvPr>
+          <p:cNvCxnSpPr/>
+          <p:nvPr/>
+        </p:nvCxnSpPr>
+        <p:spPr>
+          <a:xfrm>
+            <a:off x="5801060" y="3654955"/>
+            <a:ext cx="1019833" cy="0"/>
+          </a:xfrm>
+          <a:prstGeom prst="straightConnector1">
+            <a:avLst/>
+          </a:prstGeom>
+          <a:ln>
+            <a:solidFill>
+              <a:schemeClr val="tx1"/>
+            </a:solidFill>
+            <a:tailEnd type="triangle"/>
+          </a:ln>
+        </p:spPr>
+        <p:style>
+          <a:lnRef idx="1">
+            <a:schemeClr val="accent1"/>
+          </a:lnRef>
+          <a:fillRef idx="0">
+            <a:schemeClr val="accent1"/>
+          </a:fillRef>
+          <a:effectRef idx="0">
+            <a:schemeClr val="accent1"/>
+          </a:effectRef>
+          <a:fontRef idx="minor">
+            <a:schemeClr val="tx1"/>
+          </a:fontRef>
+        </p:style>
+      </p:cxnSp>
+      <p:sp>
+        <p:nvSpPr>
+          <p:cNvPr id="52" name="TextBox 51">
+            <a:extLst>
+              <a:ext uri="{FF2B5EF4-FFF2-40B4-BE49-F238E27FC236}">
+                <a16:creationId xmlns:a16="http://schemas.microsoft.com/office/drawing/2014/main" id="{1BDDA495-6C9C-466B-B6E0-68FAB2809AEA}"/>
+              </a:ext>
+            </a:extLst>
+          </p:cNvPr>
+          <p:cNvSpPr txBox="1"/>
+          <p:nvPr/>
+        </p:nvSpPr>
+        <p:spPr>
+          <a:xfrm>
+            <a:off x="705718" y="4243516"/>
+            <a:ext cx="970137" cy="369332"/>
+          </a:xfrm>
+          <a:prstGeom prst="rect">
+            <a:avLst/>
+          </a:prstGeom>
+          <a:noFill/>
+        </p:spPr>
+        <p:txBody>
+          <a:bodyPr wrap="none" rtlCol="0">
+            <a:spAutoFit/>
+          </a:bodyPr>
+          <a:lstStyle/>
+          <a:p>
+            <a:r>
+              <a:rPr lang="en-US" altLang="ko-KR" dirty="0">
+                <a:latin typeface="Calibri" panose="020F0502020204030204" pitchFamily="34" charset="0"/>
+                <a:cs typeface="Calibri" panose="020F0502020204030204" pitchFamily="34" charset="0"/>
+              </a:rPr>
+              <a:t>function</a:t>
+            </a:r>
+            <a:endParaRPr lang="ko-KR" altLang="en-US" dirty="0">
+              <a:latin typeface="Calibri" panose="020F0502020204030204" pitchFamily="34" charset="0"/>
+              <a:cs typeface="Calibri" panose="020F0502020204030204" pitchFamily="34" charset="0"/>
+            </a:endParaRPr>
+          </a:p>
+        </p:txBody>
+      </p:sp>
+      <p:sp>
+        <p:nvSpPr>
+          <p:cNvPr id="53" name="TextBox 52">
+            <a:extLst>
+              <a:ext uri="{FF2B5EF4-FFF2-40B4-BE49-F238E27FC236}">
+                <a16:creationId xmlns:a16="http://schemas.microsoft.com/office/drawing/2014/main" id="{27C2F62A-39E8-4E6C-8D2E-8AF1455125ED}"/>
+              </a:ext>
+            </a:extLst>
+          </p:cNvPr>
+          <p:cNvSpPr txBox="1"/>
+          <p:nvPr/>
+        </p:nvSpPr>
+        <p:spPr>
+          <a:xfrm>
+            <a:off x="3939785" y="4243516"/>
+            <a:ext cx="1004314" cy="369332"/>
+          </a:xfrm>
+          <a:prstGeom prst="rect">
+            <a:avLst/>
+          </a:prstGeom>
+          <a:noFill/>
+        </p:spPr>
+        <p:txBody>
+          <a:bodyPr wrap="none" rtlCol="0">
+            <a:spAutoFit/>
+          </a:bodyPr>
+          <a:lstStyle/>
+          <a:p>
+            <a:pPr algn="ctr"/>
+            <a:r>
+              <a:rPr lang="en-US" altLang="ko-KR" dirty="0">
+                <a:latin typeface="Calibri" panose="020F0502020204030204" pitchFamily="34" charset="0"/>
+                <a:cs typeface="Calibri" panose="020F0502020204030204" pitchFamily="34" charset="0"/>
+              </a:rPr>
+              <a:t>operator</a:t>
+            </a:r>
+            <a:endParaRPr lang="ko-KR" altLang="en-US" dirty="0">
+              <a:latin typeface="Calibri" panose="020F0502020204030204" pitchFamily="34" charset="0"/>
+              <a:cs typeface="Calibri" panose="020F0502020204030204" pitchFamily="34" charset="0"/>
+            </a:endParaRPr>
+          </a:p>
+        </p:txBody>
+      </p:sp>
+      <p:sp>
+        <p:nvSpPr>
+          <p:cNvPr id="54" name="TextBox 53">
+            <a:extLst>
+              <a:ext uri="{FF2B5EF4-FFF2-40B4-BE49-F238E27FC236}">
+                <a16:creationId xmlns:a16="http://schemas.microsoft.com/office/drawing/2014/main" id="{F00C4772-331B-431B-AC88-CE4A0F6B7EED}"/>
+              </a:ext>
+            </a:extLst>
+          </p:cNvPr>
+          <p:cNvSpPr txBox="1"/>
+          <p:nvPr/>
+        </p:nvSpPr>
+        <p:spPr>
+          <a:xfrm>
+            <a:off x="7337007" y="4128380"/>
+            <a:ext cx="970137" cy="646331"/>
+          </a:xfrm>
+          <a:prstGeom prst="rect">
+            <a:avLst/>
+          </a:prstGeom>
+          <a:noFill/>
+        </p:spPr>
+        <p:txBody>
+          <a:bodyPr wrap="none" rtlCol="0">
+            <a:spAutoFit/>
+          </a:bodyPr>
+          <a:lstStyle/>
+          <a:p>
+            <a:pPr algn="ctr"/>
+            <a:r>
+              <a:rPr lang="en-US" altLang="ko-KR" dirty="0">
+                <a:latin typeface="Calibri" panose="020F0502020204030204" pitchFamily="34" charset="0"/>
+                <a:cs typeface="Calibri" panose="020F0502020204030204" pitchFamily="34" charset="0"/>
+              </a:rPr>
+              <a:t>Another</a:t>
+            </a:r>
+          </a:p>
+          <a:p>
+            <a:pPr algn="ctr"/>
+            <a:r>
+              <a:rPr lang="en-US" altLang="ko-KR" dirty="0">
+                <a:latin typeface="Calibri" panose="020F0502020204030204" pitchFamily="34" charset="0"/>
+                <a:cs typeface="Calibri" panose="020F0502020204030204" pitchFamily="34" charset="0"/>
+              </a:rPr>
+              <a:t>function</a:t>
+            </a:r>
+            <a:endParaRPr lang="ko-KR" altLang="en-US" dirty="0">
+              <a:latin typeface="Calibri" panose="020F0502020204030204" pitchFamily="34" charset="0"/>
+              <a:cs typeface="Calibri" panose="020F0502020204030204" pitchFamily="34" charset="0"/>
+            </a:endParaRPr>
+          </a:p>
+        </p:txBody>
+      </p:sp>
+      <p:pic>
+        <p:nvPicPr>
+          <p:cNvPr id="1027" name="Picture 3"/>
+          <p:cNvPicPr>
+            <a:picLocks noChangeAspect="1" noChangeArrowheads="1"/>
+          </p:cNvPicPr>
+          <p:nvPr/>
+        </p:nvPicPr>
+        <p:blipFill>
+          <a:blip r:embed="rId8" cstate="print">
+            <a:extLst>
+              <a:ext uri="{28A0092B-C50C-407E-A947-70E740481C1C}">
+                <a14:useLocalDpi xmlns:a14="http://schemas.microsoft.com/office/drawing/2010/main" val="0"/>
+              </a:ext>
+            </a:extLst>
+          </a:blip>
+          <a:srcRect/>
+          <a:stretch>
+            <a:fillRect/>
+          </a:stretch>
+        </p:blipFill>
+        <p:spPr bwMode="auto">
+          <a:xfrm>
+            <a:off x="107504" y="2615242"/>
+            <a:ext cx="2094892" cy="1570232"/>
+          </a:xfrm>
+          <a:prstGeom prst="rect">
+            <a:avLst/>
+          </a:prstGeom>
+          <a:noFill/>
+          <a:ln>
+            <a:noFill/>
+          </a:ln>
+          <a:effectLst/>
+          <a:extLst>
+            <a:ext uri="{909E8E84-426E-40DD-AFC4-6F175D3DCCD1}">
+              <a14:hiddenFill xmlns:a14="http://schemas.microsoft.com/office/drawing/2010/main">
+                <a:solidFill>
+                  <a:schemeClr val="accent1"/>
+                </a:solidFill>
+              </a14:hiddenFill>
+            </a:ext>
+            <a:ext uri="{91240B29-F687-4F45-9708-019B960494DF}">
+              <a14:hiddenLine xmlns:a14="http://schemas.microsoft.com/office/drawing/2010/main" w="9525">
+                <a:solidFill>
+                  <a:schemeClr val="tx1"/>
+                </a:solidFill>
+                <a:miter lim="800000"/>
+                <a:headEnd/>
+                <a:tailEnd/>
+              </a14:hiddenLine>
+            </a:ext>
+            <a:ext uri="{AF507438-7753-43E0-B8FC-AC1667EBCBE1}">
+              <a14:hiddenEffects xmlns:a14="http://schemas.microsoft.com/office/drawing/2010/main">
+                <a:effectLst>
+                  <a:outerShdw dist="35921" dir="2700000" algn="ctr" rotWithShape="0">
+                    <a:schemeClr val="bg2"/>
+                  </a:outerShdw>
+                </a:effectLst>
+              </a14:hiddenEffects>
+            </a:ext>
+          </a:extLst>
+        </p:spPr>
+      </p:pic>
+      <p:pic>
+        <p:nvPicPr>
+          <p:cNvPr id="1030" name="Picture 6"/>
+          <p:cNvPicPr>
+            <a:picLocks noChangeAspect="1" noChangeArrowheads="1"/>
+          </p:cNvPicPr>
+          <p:nvPr/>
+        </p:nvPicPr>
+        <p:blipFill>
+          <a:blip r:embed="rId9" cstate="print">
+            <a:extLst>
+              <a:ext uri="{28A0092B-C50C-407E-A947-70E740481C1C}">
+                <a14:useLocalDpi xmlns:a14="http://schemas.microsoft.com/office/drawing/2010/main" val="0"/>
+              </a:ext>
+            </a:extLst>
+          </a:blip>
+          <a:srcRect/>
+          <a:stretch>
+            <a:fillRect/>
+          </a:stretch>
+        </p:blipFill>
+        <p:spPr bwMode="auto">
+          <a:xfrm>
+            <a:off x="6932439" y="2501790"/>
+            <a:ext cx="1955028" cy="1465397"/>
+          </a:xfrm>
+          <a:prstGeom prst="rect">
+            <a:avLst/>
+          </a:prstGeom>
+          <a:noFill/>
+          <a:ln>
+            <a:noFill/>
+          </a:ln>
+          <a:effectLst/>
+          <a:extLst>
+            <a:ext uri="{909E8E84-426E-40DD-AFC4-6F175D3DCCD1}">
+              <a14:hiddenFill xmlns:a14="http://schemas.microsoft.com/office/drawing/2010/main">
+                <a:solidFill>
+                  <a:schemeClr val="accent1"/>
+                </a:solidFill>
+              </a14:hiddenFill>
+            </a:ext>
+            <a:ext uri="{91240B29-F687-4F45-9708-019B960494DF}">
+              <a14:hiddenLine xmlns:a14="http://schemas.microsoft.com/office/drawing/2010/main" w="9525">
+                <a:solidFill>
+                  <a:schemeClr val="tx1"/>
+                </a:solidFill>
+                <a:miter lim="800000"/>
+                <a:headEnd/>
+                <a:tailEnd/>
+              </a14:hiddenLine>
+            </a:ext>
+            <a:ext uri="{AF507438-7753-43E0-B8FC-AC1667EBCBE1}">
+              <a14:hiddenEffects xmlns:a14="http://schemas.microsoft.com/office/drawing/2010/main">
+                <a:effectLst>
+                  <a:outerShdw dist="35921" dir="2700000" algn="ctr" rotWithShape="0">
+                    <a:schemeClr val="bg2"/>
+                  </a:outerShdw>
+                </a:effectLst>
+              </a14:hiddenEffects>
+            </a:ext>
+          </a:extLst>
+        </p:spPr>
+      </p:pic>
+      <p:grpSp>
+        <p:nvGrpSpPr>
+          <p:cNvPr id="60" name="그룹 59"/>
+          <p:cNvGrpSpPr/>
+          <p:nvPr/>
+        </p:nvGrpSpPr>
+        <p:grpSpPr>
+          <a:xfrm>
+            <a:off x="3193530" y="2073254"/>
+            <a:ext cx="2580835" cy="858536"/>
+            <a:chOff x="3137347" y="1995686"/>
+            <a:chExt cx="2580835" cy="858536"/>
+          </a:xfrm>
+        </p:grpSpPr>
+        <p:sp>
+          <p:nvSpPr>
+            <p:cNvPr id="43" name="아래쪽 화살표 42"/>
+            <p:cNvSpPr/>
+            <p:nvPr/>
+          </p:nvSpPr>
+          <p:spPr>
+            <a:xfrm>
+              <a:off x="4172685" y="2365018"/>
+              <a:ext cx="484632" cy="489204"/>
+            </a:xfrm>
+            <a:prstGeom prst="downArrow">
+              <a:avLst/>
+            </a:prstGeom>
+            <a:solidFill>
+              <a:schemeClr val="accent1"/>
+            </a:solidFill>
+            <a:ln>
+              <a:noFill/>
+            </a:ln>
+          </p:spPr>
+          <p:style>
+            <a:lnRef idx="2">
+              <a:schemeClr val="accent1">
+                <a:shade val="50000"/>
+              </a:schemeClr>
+            </a:lnRef>
+            <a:fillRef idx="1">
+              <a:schemeClr val="accent1"/>
+            </a:fillRef>
+            <a:effectRef idx="0">
+              <a:schemeClr val="accent1"/>
+            </a:effectRef>
+            <a:fontRef idx="minor">
+              <a:schemeClr val="lt1"/>
+            </a:fontRef>
+          </p:style>
+          <p:txBody>
+            <a:bodyPr rtlCol="0" anchor="ctr"/>
+            <a:lstStyle/>
+            <a:p>
+              <a:pPr algn="ctr"/>
+              <a:endParaRPr lang="ko-KR" altLang="en-US"/>
+            </a:p>
+          </p:txBody>
+        </p:sp>
+        <p:sp>
+          <p:nvSpPr>
+            <p:cNvPr id="58" name="TextBox 57"/>
+            <p:cNvSpPr txBox="1"/>
+            <p:nvPr/>
+          </p:nvSpPr>
+          <p:spPr>
+            <a:xfrm>
+              <a:off x="3137347" y="1995686"/>
+              <a:ext cx="2580835" cy="369332"/>
+            </a:xfrm>
+            <a:prstGeom prst="rect">
+              <a:avLst/>
+            </a:prstGeom>
+            <a:noFill/>
+            <a:ln>
+              <a:solidFill>
+                <a:schemeClr val="accent1"/>
+              </a:solidFill>
+            </a:ln>
+          </p:spPr>
+          <p:txBody>
+            <a:bodyPr wrap="none" rtlCol="0">
+              <a:spAutoFit/>
+            </a:bodyPr>
+            <a:lstStyle/>
+            <a:p>
+              <a:r>
+                <a:rPr lang="en-US" altLang="ko-KR" dirty="0"/>
+                <a:t>Extending the Concept</a:t>
               </a:r>
               <a:endParaRPr lang="ko-KR" altLang="en-US" dirty="0"/>
             </a:p>
@@ -4536,7 +6059,7 @@
     </p:spTree>
     <p:extLst>
       <p:ext uri="{BB962C8B-B14F-4D97-AF65-F5344CB8AC3E}">
-        <p14:creationId xmlns:p14="http://schemas.microsoft.com/office/powerpoint/2010/main" val="2234105180"/>
+        <p14:creationId xmlns:p14="http://schemas.microsoft.com/office/powerpoint/2010/main" val="2576040890"/>
       </p:ext>
     </p:extLst>
   </p:cSld>
